--- a/lectures/model_learning_brief.pptx
+++ b/lectures/model_learning_brief.pptx
@@ -4,11 +4,21 @@
   <p:sldMasterIdLst>
     <p:sldMasterId id="2147483648" r:id="rId1"/>
   </p:sldMasterIdLst>
+  <p:notesMasterIdLst>
+    <p:notesMasterId r:id="rId13"/>
+  </p:notesMasterIdLst>
   <p:sldIdLst>
     <p:sldId id="256" r:id="rId2"/>
     <p:sldId id="257" r:id="rId3"/>
-    <p:sldId id="258" r:id="rId4"/>
-    <p:sldId id="259" r:id="rId5"/>
+    <p:sldId id="260" r:id="rId4"/>
+    <p:sldId id="261" r:id="rId5"/>
+    <p:sldId id="262" r:id="rId6"/>
+    <p:sldId id="258" r:id="rId7"/>
+    <p:sldId id="263" r:id="rId8"/>
+    <p:sldId id="542" r:id="rId9"/>
+    <p:sldId id="264" r:id="rId10"/>
+    <p:sldId id="265" r:id="rId11"/>
+    <p:sldId id="259" r:id="rId12"/>
   </p:sldIdLst>
   <p:sldSz cx="12192000" cy="6858000"/>
   <p:notesSz cx="6858000" cy="9144000"/>
@@ -107,7 +117,484 @@
       </a:defRPr>
     </a:lvl9pPr>
   </p:defaultTextStyle>
+  <p:extLst>
+    <p:ext uri="{EFAFB233-063F-42B5-8137-9DF3F51BA10A}">
+      <p15:sldGuideLst xmlns:p15="http://schemas.microsoft.com/office/powerpoint/2012/main"/>
+    </p:ext>
+  </p:extLst>
 </p:presentation>
+</file>
+
+<file path=ppt/notesMasters/notesMaster1.xml><?xml version="1.0" encoding="utf-8"?>
+<p:notesMaster xmlns:a="http://schemas.openxmlformats.org/drawingml/2006/main" xmlns:r="http://schemas.openxmlformats.org/officeDocument/2006/relationships" xmlns:p="http://schemas.openxmlformats.org/presentationml/2006/main">
+  <p:cSld>
+    <p:bg>
+      <p:bgRef idx="1001">
+        <a:schemeClr val="bg1"/>
+      </p:bgRef>
+    </p:bg>
+    <p:spTree>
+      <p:nvGrpSpPr>
+        <p:cNvPr id="1" name=""/>
+        <p:cNvGrpSpPr/>
+        <p:nvPr/>
+      </p:nvGrpSpPr>
+      <p:grpSpPr>
+        <a:xfrm>
+          <a:off x="0" y="0"/>
+          <a:ext cx="0" cy="0"/>
+          <a:chOff x="0" y="0"/>
+          <a:chExt cx="0" cy="0"/>
+        </a:xfrm>
+      </p:grpSpPr>
+      <p:sp>
+        <p:nvSpPr>
+          <p:cNvPr id="2" name="Header Placeholder 1"/>
+          <p:cNvSpPr>
+            <a:spLocks noGrp="1"/>
+          </p:cNvSpPr>
+          <p:nvPr>
+            <p:ph type="hdr" sz="quarter"/>
+          </p:nvPr>
+        </p:nvSpPr>
+        <p:spPr>
+          <a:xfrm>
+            <a:off x="0" y="0"/>
+            <a:ext cx="2971800" cy="458788"/>
+          </a:xfrm>
+          <a:prstGeom prst="rect">
+            <a:avLst/>
+          </a:prstGeom>
+        </p:spPr>
+        <p:txBody>
+          <a:bodyPr vert="horz" lIns="91440" tIns="45720" rIns="91440" bIns="45720" rtlCol="0"/>
+          <a:lstStyle>
+            <a:lvl1pPr algn="l">
+              <a:defRPr sz="1200"/>
+            </a:lvl1pPr>
+          </a:lstStyle>
+          <a:p>
+            <a:endParaRPr lang="en-US"/>
+          </a:p>
+        </p:txBody>
+      </p:sp>
+      <p:sp>
+        <p:nvSpPr>
+          <p:cNvPr id="3" name="Date Placeholder 2"/>
+          <p:cNvSpPr>
+            <a:spLocks noGrp="1"/>
+          </p:cNvSpPr>
+          <p:nvPr>
+            <p:ph type="dt" idx="1"/>
+          </p:nvPr>
+        </p:nvSpPr>
+        <p:spPr>
+          <a:xfrm>
+            <a:off x="3884613" y="0"/>
+            <a:ext cx="2971800" cy="458788"/>
+          </a:xfrm>
+          <a:prstGeom prst="rect">
+            <a:avLst/>
+          </a:prstGeom>
+        </p:spPr>
+        <p:txBody>
+          <a:bodyPr vert="horz" lIns="91440" tIns="45720" rIns="91440" bIns="45720" rtlCol="0"/>
+          <a:lstStyle>
+            <a:lvl1pPr algn="r">
+              <a:defRPr sz="1200"/>
+            </a:lvl1pPr>
+          </a:lstStyle>
+          <a:p>
+            <a:fld id="{A4B90BBF-608B-D047-ACFA-D72D9444E272}" type="datetimeFigureOut">
+              <a:rPr lang="en-US" smtClean="0"/>
+              <a:t>6/10/22</a:t>
+            </a:fld>
+            <a:endParaRPr lang="en-US"/>
+          </a:p>
+        </p:txBody>
+      </p:sp>
+      <p:sp>
+        <p:nvSpPr>
+          <p:cNvPr id="4" name="Slide Image Placeholder 3"/>
+          <p:cNvSpPr>
+            <a:spLocks noGrp="1" noRot="1" noChangeAspect="1"/>
+          </p:cNvSpPr>
+          <p:nvPr>
+            <p:ph type="sldImg" idx="2"/>
+          </p:nvPr>
+        </p:nvSpPr>
+        <p:spPr>
+          <a:xfrm>
+            <a:off x="685800" y="1143000"/>
+            <a:ext cx="5486400" cy="3086100"/>
+          </a:xfrm>
+          <a:prstGeom prst="rect">
+            <a:avLst/>
+          </a:prstGeom>
+          <a:noFill/>
+          <a:ln w="12700">
+            <a:solidFill>
+              <a:prstClr val="black"/>
+            </a:solidFill>
+          </a:ln>
+        </p:spPr>
+        <p:txBody>
+          <a:bodyPr vert="horz" lIns="91440" tIns="45720" rIns="91440" bIns="45720" rtlCol="0" anchor="ctr"/>
+          <a:lstStyle/>
+          <a:p>
+            <a:endParaRPr lang="en-US"/>
+          </a:p>
+        </p:txBody>
+      </p:sp>
+      <p:sp>
+        <p:nvSpPr>
+          <p:cNvPr id="5" name="Notes Placeholder 4"/>
+          <p:cNvSpPr>
+            <a:spLocks noGrp="1"/>
+          </p:cNvSpPr>
+          <p:nvPr>
+            <p:ph type="body" sz="quarter" idx="3"/>
+          </p:nvPr>
+        </p:nvSpPr>
+        <p:spPr>
+          <a:xfrm>
+            <a:off x="685800" y="4400550"/>
+            <a:ext cx="5486400" cy="3600450"/>
+          </a:xfrm>
+          <a:prstGeom prst="rect">
+            <a:avLst/>
+          </a:prstGeom>
+        </p:spPr>
+        <p:txBody>
+          <a:bodyPr vert="horz" lIns="91440" tIns="45720" rIns="91440" bIns="45720" rtlCol="0"/>
+          <a:lstStyle/>
+          <a:p>
+            <a:pPr lvl="0"/>
+            <a:r>
+              <a:rPr lang="en-US"/>
+              <a:t>Click to edit Master text styles</a:t>
+            </a:r>
+          </a:p>
+          <a:p>
+            <a:pPr lvl="1"/>
+            <a:r>
+              <a:rPr lang="en-US"/>
+              <a:t>Second level</a:t>
+            </a:r>
+          </a:p>
+          <a:p>
+            <a:pPr lvl="2"/>
+            <a:r>
+              <a:rPr lang="en-US"/>
+              <a:t>Third level</a:t>
+            </a:r>
+          </a:p>
+          <a:p>
+            <a:pPr lvl="3"/>
+            <a:r>
+              <a:rPr lang="en-US"/>
+              <a:t>Fourth level</a:t>
+            </a:r>
+          </a:p>
+          <a:p>
+            <a:pPr lvl="4"/>
+            <a:r>
+              <a:rPr lang="en-US"/>
+              <a:t>Fifth level</a:t>
+            </a:r>
+          </a:p>
+        </p:txBody>
+      </p:sp>
+      <p:sp>
+        <p:nvSpPr>
+          <p:cNvPr id="6" name="Footer Placeholder 5"/>
+          <p:cNvSpPr>
+            <a:spLocks noGrp="1"/>
+          </p:cNvSpPr>
+          <p:nvPr>
+            <p:ph type="ftr" sz="quarter" idx="4"/>
+          </p:nvPr>
+        </p:nvSpPr>
+        <p:spPr>
+          <a:xfrm>
+            <a:off x="0" y="8685213"/>
+            <a:ext cx="2971800" cy="458787"/>
+          </a:xfrm>
+          <a:prstGeom prst="rect">
+            <a:avLst/>
+          </a:prstGeom>
+        </p:spPr>
+        <p:txBody>
+          <a:bodyPr vert="horz" lIns="91440" tIns="45720" rIns="91440" bIns="45720" rtlCol="0" anchor="b"/>
+          <a:lstStyle>
+            <a:lvl1pPr algn="l">
+              <a:defRPr sz="1200"/>
+            </a:lvl1pPr>
+          </a:lstStyle>
+          <a:p>
+            <a:endParaRPr lang="en-US"/>
+          </a:p>
+        </p:txBody>
+      </p:sp>
+      <p:sp>
+        <p:nvSpPr>
+          <p:cNvPr id="7" name="Slide Number Placeholder 6"/>
+          <p:cNvSpPr>
+            <a:spLocks noGrp="1"/>
+          </p:cNvSpPr>
+          <p:nvPr>
+            <p:ph type="sldNum" sz="quarter" idx="5"/>
+          </p:nvPr>
+        </p:nvSpPr>
+        <p:spPr>
+          <a:xfrm>
+            <a:off x="3884613" y="8685213"/>
+            <a:ext cx="2971800" cy="458787"/>
+          </a:xfrm>
+          <a:prstGeom prst="rect">
+            <a:avLst/>
+          </a:prstGeom>
+        </p:spPr>
+        <p:txBody>
+          <a:bodyPr vert="horz" lIns="91440" tIns="45720" rIns="91440" bIns="45720" rtlCol="0" anchor="b"/>
+          <a:lstStyle>
+            <a:lvl1pPr algn="r">
+              <a:defRPr sz="1200"/>
+            </a:lvl1pPr>
+          </a:lstStyle>
+          <a:p>
+            <a:fld id="{589C57CA-3B55-8042-BBA3-681D964B3CB4}" type="slidenum">
+              <a:rPr lang="en-US" smtClean="0"/>
+              <a:t>‹#›</a:t>
+            </a:fld>
+            <a:endParaRPr lang="en-US"/>
+          </a:p>
+        </p:txBody>
+      </p:sp>
+    </p:spTree>
+    <p:extLst>
+      <p:ext uri="{BB962C8B-B14F-4D97-AF65-F5344CB8AC3E}">
+        <p14:creationId xmlns:p14="http://schemas.microsoft.com/office/powerpoint/2010/main" val="1065353145"/>
+      </p:ext>
+    </p:extLst>
+  </p:cSld>
+  <p:clrMap bg1="lt1" tx1="dk1" bg2="lt2" tx2="dk2" accent1="accent1" accent2="accent2" accent3="accent3" accent4="accent4" accent5="accent5" accent6="accent6" hlink="hlink" folHlink="folHlink"/>
+  <p:notesStyle>
+    <a:lvl1pPr marL="0" algn="l" defTabSz="914400" rtl="0" eaLnBrk="1" latinLnBrk="0" hangingPunct="1">
+      <a:defRPr sz="1200" kern="1200">
+        <a:solidFill>
+          <a:schemeClr val="tx1"/>
+        </a:solidFill>
+        <a:latin typeface="+mn-lt"/>
+        <a:ea typeface="+mn-ea"/>
+        <a:cs typeface="+mn-cs"/>
+      </a:defRPr>
+    </a:lvl1pPr>
+    <a:lvl2pPr marL="457200" algn="l" defTabSz="914400" rtl="0" eaLnBrk="1" latinLnBrk="0" hangingPunct="1">
+      <a:defRPr sz="1200" kern="1200">
+        <a:solidFill>
+          <a:schemeClr val="tx1"/>
+        </a:solidFill>
+        <a:latin typeface="+mn-lt"/>
+        <a:ea typeface="+mn-ea"/>
+        <a:cs typeface="+mn-cs"/>
+      </a:defRPr>
+    </a:lvl2pPr>
+    <a:lvl3pPr marL="914400" algn="l" defTabSz="914400" rtl="0" eaLnBrk="1" latinLnBrk="0" hangingPunct="1">
+      <a:defRPr sz="1200" kern="1200">
+        <a:solidFill>
+          <a:schemeClr val="tx1"/>
+        </a:solidFill>
+        <a:latin typeface="+mn-lt"/>
+        <a:ea typeface="+mn-ea"/>
+        <a:cs typeface="+mn-cs"/>
+      </a:defRPr>
+    </a:lvl3pPr>
+    <a:lvl4pPr marL="1371600" algn="l" defTabSz="914400" rtl="0" eaLnBrk="1" latinLnBrk="0" hangingPunct="1">
+      <a:defRPr sz="1200" kern="1200">
+        <a:solidFill>
+          <a:schemeClr val="tx1"/>
+        </a:solidFill>
+        <a:latin typeface="+mn-lt"/>
+        <a:ea typeface="+mn-ea"/>
+        <a:cs typeface="+mn-cs"/>
+      </a:defRPr>
+    </a:lvl4pPr>
+    <a:lvl5pPr marL="1828800" algn="l" defTabSz="914400" rtl="0" eaLnBrk="1" latinLnBrk="0" hangingPunct="1">
+      <a:defRPr sz="1200" kern="1200">
+        <a:solidFill>
+          <a:schemeClr val="tx1"/>
+        </a:solidFill>
+        <a:latin typeface="+mn-lt"/>
+        <a:ea typeface="+mn-ea"/>
+        <a:cs typeface="+mn-cs"/>
+      </a:defRPr>
+    </a:lvl5pPr>
+    <a:lvl6pPr marL="2286000" algn="l" defTabSz="914400" rtl="0" eaLnBrk="1" latinLnBrk="0" hangingPunct="1">
+      <a:defRPr sz="1200" kern="1200">
+        <a:solidFill>
+          <a:schemeClr val="tx1"/>
+        </a:solidFill>
+        <a:latin typeface="+mn-lt"/>
+        <a:ea typeface="+mn-ea"/>
+        <a:cs typeface="+mn-cs"/>
+      </a:defRPr>
+    </a:lvl6pPr>
+    <a:lvl7pPr marL="2743200" algn="l" defTabSz="914400" rtl="0" eaLnBrk="1" latinLnBrk="0" hangingPunct="1">
+      <a:defRPr sz="1200" kern="1200">
+        <a:solidFill>
+          <a:schemeClr val="tx1"/>
+        </a:solidFill>
+        <a:latin typeface="+mn-lt"/>
+        <a:ea typeface="+mn-ea"/>
+        <a:cs typeface="+mn-cs"/>
+      </a:defRPr>
+    </a:lvl7pPr>
+    <a:lvl8pPr marL="3200400" algn="l" defTabSz="914400" rtl="0" eaLnBrk="1" latinLnBrk="0" hangingPunct="1">
+      <a:defRPr sz="1200" kern="1200">
+        <a:solidFill>
+          <a:schemeClr val="tx1"/>
+        </a:solidFill>
+        <a:latin typeface="+mn-lt"/>
+        <a:ea typeface="+mn-ea"/>
+        <a:cs typeface="+mn-cs"/>
+      </a:defRPr>
+    </a:lvl8pPr>
+    <a:lvl9pPr marL="3657600" algn="l" defTabSz="914400" rtl="0" eaLnBrk="1" latinLnBrk="0" hangingPunct="1">
+      <a:defRPr sz="1200" kern="1200">
+        <a:solidFill>
+          <a:schemeClr val="tx1"/>
+        </a:solidFill>
+        <a:latin typeface="+mn-lt"/>
+        <a:ea typeface="+mn-ea"/>
+        <a:cs typeface="+mn-cs"/>
+      </a:defRPr>
+    </a:lvl9pPr>
+  </p:notesStyle>
+</p:notesMaster>
+</file>
+
+<file path=ppt/notesSlides/notesSlide1.xml><?xml version="1.0" encoding="utf-8"?>
+<p:notes xmlns:a="http://schemas.openxmlformats.org/drawingml/2006/main" xmlns:r="http://schemas.openxmlformats.org/officeDocument/2006/relationships" xmlns:p="http://schemas.openxmlformats.org/presentationml/2006/main">
+  <p:cSld>
+    <p:spTree>
+      <p:nvGrpSpPr>
+        <p:cNvPr id="1" name=""/>
+        <p:cNvGrpSpPr/>
+        <p:nvPr/>
+      </p:nvGrpSpPr>
+      <p:grpSpPr>
+        <a:xfrm>
+          <a:off x="0" y="0"/>
+          <a:ext cx="0" cy="0"/>
+          <a:chOff x="0" y="0"/>
+          <a:chExt cx="0" cy="0"/>
+        </a:xfrm>
+      </p:grpSpPr>
+      <p:sp>
+        <p:nvSpPr>
+          <p:cNvPr id="2" name="Slide Image Placeholder 1"/>
+          <p:cNvSpPr>
+            <a:spLocks noGrp="1" noRot="1" noChangeAspect="1"/>
+          </p:cNvSpPr>
+          <p:nvPr>
+            <p:ph type="sldImg"/>
+          </p:nvPr>
+        </p:nvSpPr>
+        <p:spPr/>
+      </p:sp>
+      <p:sp>
+        <p:nvSpPr>
+          <p:cNvPr id="3" name="Notes Placeholder 2"/>
+          <p:cNvSpPr>
+            <a:spLocks noGrp="1"/>
+          </p:cNvSpPr>
+          <p:nvPr>
+            <p:ph type="body" idx="1"/>
+          </p:nvPr>
+        </p:nvSpPr>
+        <p:spPr/>
+        <p:txBody>
+          <a:bodyPr/>
+          <a:lstStyle/>
+          <a:p>
+            <a:r>
+              <a:rPr lang="en-US" dirty="0"/>
+              <a:t>One thing we could try is to just test out a bunch of different sets of parameter values</a:t>
+            </a:r>
+          </a:p>
+          <a:p>
+            <a:r>
+              <a:rPr lang="en-US" dirty="0"/>
+              <a:t>Then we can just choose the set associated with the smallest value of the loss</a:t>
+            </a:r>
+          </a:p>
+          <a:p>
+            <a:endParaRPr lang="en-US" dirty="0"/>
+          </a:p>
+          <a:p>
+            <a:r>
+              <a:rPr lang="en-US" dirty="0"/>
+              <a:t>Or we could play around with different parameter values</a:t>
+            </a:r>
+          </a:p>
+          <a:p>
+            <a:r>
+              <a:rPr lang="en-US" dirty="0"/>
+              <a:t>And see if we can reduce the loss a little by making changes to them</a:t>
+            </a:r>
+          </a:p>
+          <a:p>
+            <a:r>
+              <a:rPr lang="en-US" dirty="0"/>
+              <a:t>We might try to figure out, through exploration, how changing specific parameters affects the loss</a:t>
+            </a:r>
+          </a:p>
+          <a:p>
+            <a:endParaRPr lang="en-US" dirty="0"/>
+          </a:p>
+          <a:p>
+            <a:r>
+              <a:rPr lang="en-US" dirty="0"/>
+              <a:t>This is what you’ll explore in your exercise</a:t>
+            </a:r>
+          </a:p>
+        </p:txBody>
+      </p:sp>
+      <p:sp>
+        <p:nvSpPr>
+          <p:cNvPr id="4" name="Slide Number Placeholder 3"/>
+          <p:cNvSpPr>
+            <a:spLocks noGrp="1"/>
+          </p:cNvSpPr>
+          <p:nvPr>
+            <p:ph type="sldNum" sz="quarter" idx="5"/>
+          </p:nvPr>
+        </p:nvSpPr>
+        <p:spPr/>
+        <p:txBody>
+          <a:bodyPr/>
+          <a:lstStyle/>
+          <a:p>
+            <a:fld id="{F7B5820E-387F-784E-8D6C-00A02E5BA58B}" type="slidenum">
+              <a:rPr lang="en-US" smtClean="0"/>
+              <a:t>8</a:t>
+            </a:fld>
+            <a:endParaRPr lang="en-US"/>
+          </a:p>
+        </p:txBody>
+      </p:sp>
+    </p:spTree>
+    <p:extLst>
+      <p:ext uri="{BB962C8B-B14F-4D97-AF65-F5344CB8AC3E}">
+        <p14:creationId xmlns:p14="http://schemas.microsoft.com/office/powerpoint/2010/main" val="2214261964"/>
+      </p:ext>
+    </p:extLst>
+  </p:cSld>
+  <p:clrMapOvr>
+    <a:masterClrMapping/>
+  </p:clrMapOvr>
+</p:notes>
 </file>
 
 <file path=ppt/slideLayouts/slideLayout1.xml><?xml version="1.0" encoding="utf-8"?>
@@ -257,7 +744,7 @@
           <a:p>
             <a:fld id="{09A11F4E-F8CA-E14E-BCFD-903241CA2542}" type="datetimeFigureOut">
               <a:rPr lang="en-US" smtClean="0"/>
-              <a:t>5/20/22</a:t>
+              <a:t>6/10/22</a:t>
             </a:fld>
             <a:endParaRPr lang="en-US"/>
           </a:p>
@@ -455,7 +942,7 @@
           <a:p>
             <a:fld id="{09A11F4E-F8CA-E14E-BCFD-903241CA2542}" type="datetimeFigureOut">
               <a:rPr lang="en-US" smtClean="0"/>
-              <a:t>5/20/22</a:t>
+              <a:t>6/10/22</a:t>
             </a:fld>
             <a:endParaRPr lang="en-US"/>
           </a:p>
@@ -663,7 +1150,7 @@
           <a:p>
             <a:fld id="{09A11F4E-F8CA-E14E-BCFD-903241CA2542}" type="datetimeFigureOut">
               <a:rPr lang="en-US" smtClean="0"/>
-              <a:t>5/20/22</a:t>
+              <a:t>6/10/22</a:t>
             </a:fld>
             <a:endParaRPr lang="en-US"/>
           </a:p>
@@ -861,7 +1348,7 @@
           <a:p>
             <a:fld id="{09A11F4E-F8CA-E14E-BCFD-903241CA2542}" type="datetimeFigureOut">
               <a:rPr lang="en-US" smtClean="0"/>
-              <a:t>5/20/22</a:t>
+              <a:t>6/10/22</a:t>
             </a:fld>
             <a:endParaRPr lang="en-US"/>
           </a:p>
@@ -1136,7 +1623,7 @@
           <a:p>
             <a:fld id="{09A11F4E-F8CA-E14E-BCFD-903241CA2542}" type="datetimeFigureOut">
               <a:rPr lang="en-US" smtClean="0"/>
-              <a:t>5/20/22</a:t>
+              <a:t>6/10/22</a:t>
             </a:fld>
             <a:endParaRPr lang="en-US"/>
           </a:p>
@@ -1401,7 +1888,7 @@
           <a:p>
             <a:fld id="{09A11F4E-F8CA-E14E-BCFD-903241CA2542}" type="datetimeFigureOut">
               <a:rPr lang="en-US" smtClean="0"/>
-              <a:t>5/20/22</a:t>
+              <a:t>6/10/22</a:t>
             </a:fld>
             <a:endParaRPr lang="en-US"/>
           </a:p>
@@ -1813,7 +2300,7 @@
           <a:p>
             <a:fld id="{09A11F4E-F8CA-E14E-BCFD-903241CA2542}" type="datetimeFigureOut">
               <a:rPr lang="en-US" smtClean="0"/>
-              <a:t>5/20/22</a:t>
+              <a:t>6/10/22</a:t>
             </a:fld>
             <a:endParaRPr lang="en-US"/>
           </a:p>
@@ -1954,7 +2441,7 @@
           <a:p>
             <a:fld id="{09A11F4E-F8CA-E14E-BCFD-903241CA2542}" type="datetimeFigureOut">
               <a:rPr lang="en-US" smtClean="0"/>
-              <a:t>5/20/22</a:t>
+              <a:t>6/10/22</a:t>
             </a:fld>
             <a:endParaRPr lang="en-US"/>
           </a:p>
@@ -2067,7 +2554,7 @@
           <a:p>
             <a:fld id="{09A11F4E-F8CA-E14E-BCFD-903241CA2542}" type="datetimeFigureOut">
               <a:rPr lang="en-US" smtClean="0"/>
-              <a:t>5/20/22</a:t>
+              <a:t>6/10/22</a:t>
             </a:fld>
             <a:endParaRPr lang="en-US"/>
           </a:p>
@@ -2378,7 +2865,7 @@
           <a:p>
             <a:fld id="{09A11F4E-F8CA-E14E-BCFD-903241CA2542}" type="datetimeFigureOut">
               <a:rPr lang="en-US" smtClean="0"/>
-              <a:t>5/20/22</a:t>
+              <a:t>6/10/22</a:t>
             </a:fld>
             <a:endParaRPr lang="en-US"/>
           </a:p>
@@ -2666,7 +3153,7 @@
           <a:p>
             <a:fld id="{09A11F4E-F8CA-E14E-BCFD-903241CA2542}" type="datetimeFigureOut">
               <a:rPr lang="en-US" smtClean="0"/>
-              <a:t>5/20/22</a:t>
+              <a:t>6/10/22</a:t>
             </a:fld>
             <a:endParaRPr lang="en-US"/>
           </a:p>
@@ -2907,7 +3394,7 @@
           <a:p>
             <a:fld id="{09A11F4E-F8CA-E14E-BCFD-903241CA2542}" type="datetimeFigureOut">
               <a:rPr lang="en-US" smtClean="0"/>
-              <a:t>5/20/22</a:t>
+              <a:t>6/10/22</a:t>
             </a:fld>
             <a:endParaRPr lang="en-US"/>
           </a:p>
@@ -3396,6 +3883,1092 @@
 </p:sld>
 </file>
 
+<file path=ppt/slides/slide10.xml><?xml version="1.0" encoding="utf-8"?>
+<p:sld xmlns:a="http://schemas.openxmlformats.org/drawingml/2006/main" xmlns:r="http://schemas.openxmlformats.org/officeDocument/2006/relationships" xmlns:p="http://schemas.openxmlformats.org/presentationml/2006/main">
+  <p:cSld>
+    <p:spTree>
+      <p:nvGrpSpPr>
+        <p:cNvPr id="1" name=""/>
+        <p:cNvGrpSpPr/>
+        <p:nvPr/>
+      </p:nvGrpSpPr>
+      <p:grpSpPr>
+        <a:xfrm>
+          <a:off x="0" y="0"/>
+          <a:ext cx="0" cy="0"/>
+          <a:chOff x="0" y="0"/>
+          <a:chExt cx="0" cy="0"/>
+        </a:xfrm>
+      </p:grpSpPr>
+      <p:sp>
+        <p:nvSpPr>
+          <p:cNvPr id="2" name="Title 1">
+            <a:extLst>
+              <a:ext uri="{FF2B5EF4-FFF2-40B4-BE49-F238E27FC236}">
+                <a16:creationId xmlns:a16="http://schemas.microsoft.com/office/drawing/2014/main" id="{626DE1E5-E399-667C-525C-ED08C62EB92A}"/>
+              </a:ext>
+            </a:extLst>
+          </p:cNvPr>
+          <p:cNvSpPr>
+            <a:spLocks noGrp="1"/>
+          </p:cNvSpPr>
+          <p:nvPr>
+            <p:ph type="title"/>
+          </p:nvPr>
+        </p:nvSpPr>
+        <p:spPr/>
+        <p:txBody>
+          <a:bodyPr/>
+          <a:lstStyle/>
+          <a:p>
+            <a:r>
+              <a:rPr lang="en-US" dirty="0"/>
+              <a:t>Parameter Optimization by Gradient Descent</a:t>
+            </a:r>
+          </a:p>
+        </p:txBody>
+      </p:sp>
+      <p:sp>
+        <p:nvSpPr>
+          <p:cNvPr id="3" name="Content Placeholder 2">
+            <a:extLst>
+              <a:ext uri="{FF2B5EF4-FFF2-40B4-BE49-F238E27FC236}">
+                <a16:creationId xmlns:a16="http://schemas.microsoft.com/office/drawing/2014/main" id="{93061980-2DEC-52AD-5358-360BC15BD589}"/>
+              </a:ext>
+            </a:extLst>
+          </p:cNvPr>
+          <p:cNvSpPr>
+            <a:spLocks noGrp="1"/>
+          </p:cNvSpPr>
+          <p:nvPr>
+            <p:ph idx="1"/>
+          </p:nvPr>
+        </p:nvSpPr>
+        <p:spPr>
+          <a:xfrm>
+            <a:off x="838200" y="1825625"/>
+            <a:ext cx="4205831" cy="4351338"/>
+          </a:xfrm>
+        </p:spPr>
+        <p:txBody>
+          <a:bodyPr>
+            <a:normAutofit lnSpcReduction="10000"/>
+          </a:bodyPr>
+          <a:lstStyle/>
+          <a:p>
+            <a:pPr>
+              <a:spcAft>
+                <a:spcPts val="1200"/>
+              </a:spcAft>
+            </a:pPr>
+            <a:r>
+              <a:rPr lang="en-US" sz="2400" dirty="0"/>
+              <a:t>We are trying to get to the great valley (minimum loss).</a:t>
+            </a:r>
+          </a:p>
+          <a:p>
+            <a:pPr>
+              <a:spcAft>
+                <a:spcPts val="1200"/>
+              </a:spcAft>
+            </a:pPr>
+            <a:r>
+              <a:rPr lang="en-US" sz="2400" dirty="0"/>
+              <a:t>We do not know where it is (cannot test all parameter values).</a:t>
+            </a:r>
+          </a:p>
+          <a:p>
+            <a:pPr>
+              <a:spcAft>
+                <a:spcPts val="1200"/>
+              </a:spcAft>
+            </a:pPr>
+            <a:r>
+              <a:rPr lang="en-US" sz="2400" dirty="0"/>
+              <a:t>We cannot see clearly in any direction (complex, high-dimensional function).</a:t>
+            </a:r>
+          </a:p>
+          <a:p>
+            <a:pPr>
+              <a:spcAft>
+                <a:spcPts val="1200"/>
+              </a:spcAft>
+            </a:pPr>
+            <a:r>
+              <a:rPr lang="en-US" sz="2400" dirty="0"/>
+              <a:t>So, we test the ground around us, and </a:t>
+            </a:r>
+            <a:r>
+              <a:rPr lang="en-US" sz="2400" dirty="0">
+                <a:solidFill>
+                  <a:srgbClr val="FF0000"/>
+                </a:solidFill>
+              </a:rPr>
+              <a:t>stumble</a:t>
+            </a:r>
+            <a:r>
+              <a:rPr lang="en-US" sz="2400" dirty="0"/>
+              <a:t> downhill (use calculus / calculate gradient).</a:t>
+            </a:r>
+          </a:p>
+        </p:txBody>
+      </p:sp>
+      <p:pic>
+        <p:nvPicPr>
+          <p:cNvPr id="4" name="Picture 2" descr="Image result for clip confused man">
+            <a:extLst>
+              <a:ext uri="{FF2B5EF4-FFF2-40B4-BE49-F238E27FC236}">
+                <a16:creationId xmlns:a16="http://schemas.microsoft.com/office/drawing/2014/main" id="{C5CD9B2B-87C2-C103-89AA-AEEA8D7D0C82}"/>
+              </a:ext>
+            </a:extLst>
+          </p:cNvPr>
+          <p:cNvPicPr>
+            <a:picLocks noChangeAspect="1" noChangeArrowheads="1"/>
+          </p:cNvPicPr>
+          <p:nvPr/>
+        </p:nvPicPr>
+        <p:blipFill>
+          <a:blip r:embed="rId2" cstate="screen">
+            <a:extLst>
+              <a:ext uri="{28A0092B-C50C-407E-A947-70E740481C1C}">
+                <a14:useLocalDpi xmlns:a14="http://schemas.microsoft.com/office/drawing/2010/main"/>
+              </a:ext>
+            </a:extLst>
+          </a:blip>
+          <a:srcRect/>
+          <a:stretch>
+            <a:fillRect/>
+          </a:stretch>
+        </p:blipFill>
+        <p:spPr bwMode="auto">
+          <a:xfrm>
+            <a:off x="8164104" y="2184407"/>
+            <a:ext cx="404039" cy="326796"/>
+          </a:xfrm>
+          <a:prstGeom prst="rect">
+            <a:avLst/>
+          </a:prstGeom>
+          <a:noFill/>
+          <a:extLst>
+            <a:ext uri="{909E8E84-426E-40DD-AFC4-6F175D3DCCD1}">
+              <a14:hiddenFill xmlns:a14="http://schemas.microsoft.com/office/drawing/2010/main">
+                <a:solidFill>
+                  <a:srgbClr val="FFFFFF"/>
+                </a:solidFill>
+              </a14:hiddenFill>
+            </a:ext>
+          </a:extLst>
+        </p:spPr>
+      </p:pic>
+      <p:pic>
+        <p:nvPicPr>
+          <p:cNvPr id="5" name="Picture 4" descr="Image result for clip art mountain">
+            <a:extLst>
+              <a:ext uri="{FF2B5EF4-FFF2-40B4-BE49-F238E27FC236}">
+                <a16:creationId xmlns:a16="http://schemas.microsoft.com/office/drawing/2014/main" id="{072A4374-FE4D-7F93-2E5F-ED934DDA3BC8}"/>
+              </a:ext>
+            </a:extLst>
+          </p:cNvPr>
+          <p:cNvPicPr>
+            <a:picLocks noChangeAspect="1" noChangeArrowheads="1"/>
+          </p:cNvPicPr>
+          <p:nvPr/>
+        </p:nvPicPr>
+        <p:blipFill>
+          <a:blip r:embed="rId3" cstate="screen">
+            <a:extLst>
+              <a:ext uri="{28A0092B-C50C-407E-A947-70E740481C1C}">
+                <a14:useLocalDpi xmlns:a14="http://schemas.microsoft.com/office/drawing/2010/main"/>
+              </a:ext>
+            </a:extLst>
+          </a:blip>
+          <a:srcRect/>
+          <a:stretch>
+            <a:fillRect/>
+          </a:stretch>
+        </p:blipFill>
+        <p:spPr bwMode="auto">
+          <a:xfrm>
+            <a:off x="5617085" y="1909218"/>
+            <a:ext cx="5950244" cy="2518937"/>
+          </a:xfrm>
+          <a:prstGeom prst="rect">
+            <a:avLst/>
+          </a:prstGeom>
+          <a:noFill/>
+          <a:extLst>
+            <a:ext uri="{909E8E84-426E-40DD-AFC4-6F175D3DCCD1}">
+              <a14:hiddenFill xmlns:a14="http://schemas.microsoft.com/office/drawing/2010/main">
+                <a:solidFill>
+                  <a:srgbClr val="FFFFFF"/>
+                </a:solidFill>
+              </a14:hiddenFill>
+            </a:ext>
+          </a:extLst>
+        </p:spPr>
+      </p:pic>
+      <p:pic>
+        <p:nvPicPr>
+          <p:cNvPr id="9" name="Picture 8" descr="Image result for clip art mountain">
+            <a:extLst>
+              <a:ext uri="{FF2B5EF4-FFF2-40B4-BE49-F238E27FC236}">
+                <a16:creationId xmlns:a16="http://schemas.microsoft.com/office/drawing/2014/main" id="{D798786C-DB85-20C0-71CA-6300C0184548}"/>
+              </a:ext>
+            </a:extLst>
+          </p:cNvPr>
+          <p:cNvPicPr>
+            <a:picLocks noChangeAspect="1" noChangeArrowheads="1"/>
+          </p:cNvPicPr>
+          <p:nvPr/>
+        </p:nvPicPr>
+        <p:blipFill>
+          <a:blip r:embed="rId3" cstate="screen">
+            <a:extLst>
+              <a:ext uri="{28A0092B-C50C-407E-A947-70E740481C1C}">
+                <a14:useLocalDpi xmlns:a14="http://schemas.microsoft.com/office/drawing/2010/main"/>
+              </a:ext>
+            </a:extLst>
+          </a:blip>
+          <a:srcRect/>
+          <a:stretch>
+            <a:fillRect/>
+          </a:stretch>
+        </p:blipFill>
+        <p:spPr bwMode="auto">
+          <a:xfrm>
+            <a:off x="5799202" y="3932674"/>
+            <a:ext cx="5950244" cy="2518937"/>
+          </a:xfrm>
+          <a:prstGeom prst="rect">
+            <a:avLst/>
+          </a:prstGeom>
+          <a:noFill/>
+          <a:extLst>
+            <a:ext uri="{909E8E84-426E-40DD-AFC4-6F175D3DCCD1}">
+              <a14:hiddenFill xmlns:a14="http://schemas.microsoft.com/office/drawing/2010/main">
+                <a:solidFill>
+                  <a:srgbClr val="FFFFFF"/>
+                </a:solidFill>
+              </a14:hiddenFill>
+            </a:ext>
+          </a:extLst>
+        </p:spPr>
+      </p:pic>
+      <p:pic>
+        <p:nvPicPr>
+          <p:cNvPr id="6" name="Picture 5">
+            <a:extLst>
+              <a:ext uri="{FF2B5EF4-FFF2-40B4-BE49-F238E27FC236}">
+                <a16:creationId xmlns:a16="http://schemas.microsoft.com/office/drawing/2014/main" id="{BCFDAF4F-356E-E3E3-9B36-926B3218D315}"/>
+              </a:ext>
+            </a:extLst>
+          </p:cNvPr>
+          <p:cNvPicPr>
+            <a:picLocks noChangeAspect="1"/>
+          </p:cNvPicPr>
+          <p:nvPr/>
+        </p:nvPicPr>
+        <p:blipFill>
+          <a:blip r:embed="rId4" cstate="screen">
+            <a:extLst>
+              <a:ext uri="{28A0092B-C50C-407E-A947-70E740481C1C}">
+                <a14:useLocalDpi xmlns:a14="http://schemas.microsoft.com/office/drawing/2010/main"/>
+              </a:ext>
+            </a:extLst>
+          </a:blip>
+          <a:stretch>
+            <a:fillRect/>
+          </a:stretch>
+        </p:blipFill>
+        <p:spPr>
+          <a:xfrm>
+            <a:off x="5993479" y="2498322"/>
+            <a:ext cx="2437752" cy="2307739"/>
+          </a:xfrm>
+          <a:prstGeom prst="rect">
+            <a:avLst/>
+          </a:prstGeom>
+        </p:spPr>
+      </p:pic>
+      <p:pic>
+        <p:nvPicPr>
+          <p:cNvPr id="7" name="Picture 6">
+            <a:extLst>
+              <a:ext uri="{FF2B5EF4-FFF2-40B4-BE49-F238E27FC236}">
+                <a16:creationId xmlns:a16="http://schemas.microsoft.com/office/drawing/2014/main" id="{471B4DCB-467C-5F82-BDB0-5AAF567ADA7D}"/>
+              </a:ext>
+            </a:extLst>
+          </p:cNvPr>
+          <p:cNvPicPr>
+            <a:picLocks noChangeAspect="1"/>
+          </p:cNvPicPr>
+          <p:nvPr/>
+        </p:nvPicPr>
+        <p:blipFill>
+          <a:blip r:embed="rId4" cstate="screen">
+            <a:extLst>
+              <a:ext uri="{28A0092B-C50C-407E-A947-70E740481C1C}">
+                <a14:useLocalDpi xmlns:a14="http://schemas.microsoft.com/office/drawing/2010/main"/>
+              </a:ext>
+            </a:extLst>
+          </a:blip>
+          <a:stretch>
+            <a:fillRect/>
+          </a:stretch>
+        </p:blipFill>
+        <p:spPr>
+          <a:xfrm>
+            <a:off x="7956193" y="2673206"/>
+            <a:ext cx="2437752" cy="2307739"/>
+          </a:xfrm>
+          <a:prstGeom prst="rect">
+            <a:avLst/>
+          </a:prstGeom>
+        </p:spPr>
+      </p:pic>
+      <p:pic>
+        <p:nvPicPr>
+          <p:cNvPr id="8" name="Picture 7">
+            <a:extLst>
+              <a:ext uri="{FF2B5EF4-FFF2-40B4-BE49-F238E27FC236}">
+                <a16:creationId xmlns:a16="http://schemas.microsoft.com/office/drawing/2014/main" id="{8137B42D-5559-90CD-835E-A2BADA4F6FF9}"/>
+              </a:ext>
+            </a:extLst>
+          </p:cNvPr>
+          <p:cNvPicPr>
+            <a:picLocks noChangeAspect="1"/>
+          </p:cNvPicPr>
+          <p:nvPr/>
+        </p:nvPicPr>
+        <p:blipFill>
+          <a:blip r:embed="rId4" cstate="screen">
+            <a:extLst>
+              <a:ext uri="{28A0092B-C50C-407E-A947-70E740481C1C}">
+                <a14:useLocalDpi xmlns:a14="http://schemas.microsoft.com/office/drawing/2010/main"/>
+              </a:ext>
+            </a:extLst>
+          </a:blip>
+          <a:stretch>
+            <a:fillRect/>
+          </a:stretch>
+        </p:blipFill>
+        <p:spPr>
+          <a:xfrm>
+            <a:off x="9252763" y="1825625"/>
+            <a:ext cx="2437752" cy="2307739"/>
+          </a:xfrm>
+          <a:prstGeom prst="rect">
+            <a:avLst/>
+          </a:prstGeom>
+        </p:spPr>
+      </p:pic>
+      <p:pic>
+        <p:nvPicPr>
+          <p:cNvPr id="12" name="Picture 11">
+            <a:extLst>
+              <a:ext uri="{FF2B5EF4-FFF2-40B4-BE49-F238E27FC236}">
+                <a16:creationId xmlns:a16="http://schemas.microsoft.com/office/drawing/2014/main" id="{16F1B570-63D9-04D3-690D-0878598B9C6A}"/>
+              </a:ext>
+            </a:extLst>
+          </p:cNvPr>
+          <p:cNvPicPr>
+            <a:picLocks noChangeAspect="1"/>
+          </p:cNvPicPr>
+          <p:nvPr/>
+        </p:nvPicPr>
+        <p:blipFill>
+          <a:blip r:embed="rId4" cstate="screen">
+            <a:extLst>
+              <a:ext uri="{28A0092B-C50C-407E-A947-70E740481C1C}">
+                <a14:useLocalDpi xmlns:a14="http://schemas.microsoft.com/office/drawing/2010/main"/>
+              </a:ext>
+            </a:extLst>
+          </a:blip>
+          <a:stretch>
+            <a:fillRect/>
+          </a:stretch>
+        </p:blipFill>
+        <p:spPr>
+          <a:xfrm>
+            <a:off x="4872890" y="4004161"/>
+            <a:ext cx="2437752" cy="2307739"/>
+          </a:xfrm>
+          <a:prstGeom prst="rect">
+            <a:avLst/>
+          </a:prstGeom>
+        </p:spPr>
+      </p:pic>
+      <p:pic>
+        <p:nvPicPr>
+          <p:cNvPr id="11" name="Picture 10">
+            <a:extLst>
+              <a:ext uri="{FF2B5EF4-FFF2-40B4-BE49-F238E27FC236}">
+                <a16:creationId xmlns:a16="http://schemas.microsoft.com/office/drawing/2014/main" id="{D04FD68F-48B7-B44A-FCA9-81530FDC815B}"/>
+              </a:ext>
+            </a:extLst>
+          </p:cNvPr>
+          <p:cNvPicPr>
+            <a:picLocks noChangeAspect="1"/>
+          </p:cNvPicPr>
+          <p:nvPr/>
+        </p:nvPicPr>
+        <p:blipFill>
+          <a:blip r:embed="rId4" cstate="screen">
+            <a:extLst>
+              <a:ext uri="{28A0092B-C50C-407E-A947-70E740481C1C}">
+                <a14:useLocalDpi xmlns:a14="http://schemas.microsoft.com/office/drawing/2010/main"/>
+              </a:ext>
+            </a:extLst>
+          </a:blip>
+          <a:stretch>
+            <a:fillRect/>
+          </a:stretch>
+        </p:blipFill>
+        <p:spPr>
+          <a:xfrm>
+            <a:off x="6837147" y="4009619"/>
+            <a:ext cx="2437752" cy="2307739"/>
+          </a:xfrm>
+          <a:prstGeom prst="rect">
+            <a:avLst/>
+          </a:prstGeom>
+        </p:spPr>
+      </p:pic>
+      <p:pic>
+        <p:nvPicPr>
+          <p:cNvPr id="10" name="Picture 9">
+            <a:extLst>
+              <a:ext uri="{FF2B5EF4-FFF2-40B4-BE49-F238E27FC236}">
+                <a16:creationId xmlns:a16="http://schemas.microsoft.com/office/drawing/2014/main" id="{889F383E-77A5-BA46-FB7B-BADCA408174F}"/>
+              </a:ext>
+            </a:extLst>
+          </p:cNvPr>
+          <p:cNvPicPr>
+            <a:picLocks noChangeAspect="1"/>
+          </p:cNvPicPr>
+          <p:nvPr/>
+        </p:nvPicPr>
+        <p:blipFill>
+          <a:blip r:embed="rId4" cstate="screen">
+            <a:extLst>
+              <a:ext uri="{28A0092B-C50C-407E-A947-70E740481C1C}">
+                <a14:useLocalDpi xmlns:a14="http://schemas.microsoft.com/office/drawing/2010/main"/>
+              </a:ext>
+            </a:extLst>
+          </a:blip>
+          <a:stretch>
+            <a:fillRect/>
+          </a:stretch>
+        </p:blipFill>
+        <p:spPr>
+          <a:xfrm>
+            <a:off x="10056887" y="3175639"/>
+            <a:ext cx="2437752" cy="2307739"/>
+          </a:xfrm>
+          <a:prstGeom prst="rect">
+            <a:avLst/>
+          </a:prstGeom>
+        </p:spPr>
+      </p:pic>
+      <p:sp>
+        <p:nvSpPr>
+          <p:cNvPr id="13" name="TextBox 12">
+            <a:extLst>
+              <a:ext uri="{FF2B5EF4-FFF2-40B4-BE49-F238E27FC236}">
+                <a16:creationId xmlns:a16="http://schemas.microsoft.com/office/drawing/2014/main" id="{17078D5D-899F-8912-DFB9-4CC31F7F48C6}"/>
+              </a:ext>
+            </a:extLst>
+          </p:cNvPr>
+          <p:cNvSpPr txBox="1"/>
+          <p:nvPr/>
+        </p:nvSpPr>
+        <p:spPr>
+          <a:xfrm>
+            <a:off x="6202621" y="109470"/>
+            <a:ext cx="2169184" cy="954107"/>
+          </a:xfrm>
+          <a:prstGeom prst="rect">
+            <a:avLst/>
+          </a:prstGeom>
+          <a:noFill/>
+        </p:spPr>
+        <p:txBody>
+          <a:bodyPr wrap="none" rtlCol="0">
+            <a:spAutoFit/>
+          </a:bodyPr>
+          <a:lstStyle/>
+          <a:p>
+            <a:r>
+              <a:rPr lang="en-US" sz="2800" dirty="0">
+                <a:solidFill>
+                  <a:srgbClr val="FF0000"/>
+                </a:solidFill>
+                <a:latin typeface="Lucida Handwriting" panose="03010101010101010101" pitchFamily="66" charset="77"/>
+              </a:rPr>
+              <a:t>stochastic</a:t>
+            </a:r>
+          </a:p>
+          <a:p>
+            <a:r>
+              <a:rPr lang="en-US" sz="2800" dirty="0">
+                <a:solidFill>
+                  <a:srgbClr val="FF0000"/>
+                </a:solidFill>
+                <a:latin typeface="Lucida Handwriting" panose="03010101010101010101" pitchFamily="66" charset="77"/>
+              </a:rPr>
+              <a:t>     ^</a:t>
+            </a:r>
+          </a:p>
+        </p:txBody>
+      </p:sp>
+    </p:spTree>
+    <p:extLst>
+      <p:ext uri="{BB962C8B-B14F-4D97-AF65-F5344CB8AC3E}">
+        <p14:creationId xmlns:p14="http://schemas.microsoft.com/office/powerpoint/2010/main" val="841017905"/>
+      </p:ext>
+    </p:extLst>
+  </p:cSld>
+  <p:clrMapOvr>
+    <a:masterClrMapping/>
+  </p:clrMapOvr>
+</p:sld>
+</file>
+
+<file path=ppt/slides/slide11.xml><?xml version="1.0" encoding="utf-8"?>
+<p:sld xmlns:a="http://schemas.openxmlformats.org/drawingml/2006/main" xmlns:r="http://schemas.openxmlformats.org/officeDocument/2006/relationships" xmlns:p="http://schemas.openxmlformats.org/presentationml/2006/main">
+  <p:cSld>
+    <p:spTree>
+      <p:nvGrpSpPr>
+        <p:cNvPr id="1" name=""/>
+        <p:cNvGrpSpPr/>
+        <p:nvPr/>
+      </p:nvGrpSpPr>
+      <p:grpSpPr>
+        <a:xfrm>
+          <a:off x="0" y="0"/>
+          <a:ext cx="0" cy="0"/>
+          <a:chOff x="0" y="0"/>
+          <a:chExt cx="0" cy="0"/>
+        </a:xfrm>
+      </p:grpSpPr>
+      <p:sp>
+        <p:nvSpPr>
+          <p:cNvPr id="2" name="Title 1">
+            <a:extLst>
+              <a:ext uri="{FF2B5EF4-FFF2-40B4-BE49-F238E27FC236}">
+                <a16:creationId xmlns:a16="http://schemas.microsoft.com/office/drawing/2014/main" id="{626DE1E5-E399-667C-525C-ED08C62EB92A}"/>
+              </a:ext>
+            </a:extLst>
+          </p:cNvPr>
+          <p:cNvSpPr>
+            <a:spLocks noGrp="1"/>
+          </p:cNvSpPr>
+          <p:nvPr>
+            <p:ph type="title"/>
+          </p:nvPr>
+        </p:nvSpPr>
+        <p:spPr/>
+        <p:txBody>
+          <a:bodyPr/>
+          <a:lstStyle/>
+          <a:p>
+            <a:r>
+              <a:rPr lang="en-US" dirty="0"/>
+              <a:t>Parameter Optimization by Gradient Descent</a:t>
+            </a:r>
+          </a:p>
+        </p:txBody>
+      </p:sp>
+      <p:sp>
+        <p:nvSpPr>
+          <p:cNvPr id="3" name="Content Placeholder 2">
+            <a:extLst>
+              <a:ext uri="{FF2B5EF4-FFF2-40B4-BE49-F238E27FC236}">
+                <a16:creationId xmlns:a16="http://schemas.microsoft.com/office/drawing/2014/main" id="{93061980-2DEC-52AD-5358-360BC15BD589}"/>
+              </a:ext>
+            </a:extLst>
+          </p:cNvPr>
+          <p:cNvSpPr>
+            <a:spLocks noGrp="1"/>
+          </p:cNvSpPr>
+          <p:nvPr>
+            <p:ph idx="1"/>
+          </p:nvPr>
+        </p:nvSpPr>
+        <p:spPr>
+          <a:xfrm>
+            <a:off x="838200" y="1825625"/>
+            <a:ext cx="4205831" cy="4351338"/>
+          </a:xfrm>
+        </p:spPr>
+        <p:txBody>
+          <a:bodyPr>
+            <a:normAutofit lnSpcReduction="10000"/>
+          </a:bodyPr>
+          <a:lstStyle/>
+          <a:p>
+            <a:pPr>
+              <a:spcAft>
+                <a:spcPts val="1200"/>
+              </a:spcAft>
+            </a:pPr>
+            <a:r>
+              <a:rPr lang="en-US" sz="2400" dirty="0"/>
+              <a:t>We are trying to get to the great valley (minimum loss).</a:t>
+            </a:r>
+          </a:p>
+          <a:p>
+            <a:pPr>
+              <a:spcAft>
+                <a:spcPts val="1200"/>
+              </a:spcAft>
+            </a:pPr>
+            <a:r>
+              <a:rPr lang="en-US" sz="2400" dirty="0"/>
+              <a:t>We do not know where it is (cannot test all parameter values).</a:t>
+            </a:r>
+          </a:p>
+          <a:p>
+            <a:pPr>
+              <a:spcAft>
+                <a:spcPts val="1200"/>
+              </a:spcAft>
+            </a:pPr>
+            <a:r>
+              <a:rPr lang="en-US" sz="2400" dirty="0"/>
+              <a:t>We cannot see clearly in any direction (complex, high-dimensional function).</a:t>
+            </a:r>
+          </a:p>
+          <a:p>
+            <a:pPr>
+              <a:spcAft>
+                <a:spcPts val="1200"/>
+              </a:spcAft>
+            </a:pPr>
+            <a:r>
+              <a:rPr lang="en-US" sz="2400" dirty="0"/>
+              <a:t>So, we test the ground around us, and walk downhill (use calculus / calculate gradient).</a:t>
+            </a:r>
+          </a:p>
+        </p:txBody>
+      </p:sp>
+      <p:pic>
+        <p:nvPicPr>
+          <p:cNvPr id="4" name="Picture 2" descr="Image result for clip confused man">
+            <a:extLst>
+              <a:ext uri="{FF2B5EF4-FFF2-40B4-BE49-F238E27FC236}">
+                <a16:creationId xmlns:a16="http://schemas.microsoft.com/office/drawing/2014/main" id="{C5CD9B2B-87C2-C103-89AA-AEEA8D7D0C82}"/>
+              </a:ext>
+            </a:extLst>
+          </p:cNvPr>
+          <p:cNvPicPr>
+            <a:picLocks noChangeAspect="1" noChangeArrowheads="1"/>
+          </p:cNvPicPr>
+          <p:nvPr/>
+        </p:nvPicPr>
+        <p:blipFill>
+          <a:blip r:embed="rId2" cstate="screen">
+            <a:extLst>
+              <a:ext uri="{28A0092B-C50C-407E-A947-70E740481C1C}">
+                <a14:useLocalDpi xmlns:a14="http://schemas.microsoft.com/office/drawing/2010/main"/>
+              </a:ext>
+            </a:extLst>
+          </a:blip>
+          <a:srcRect/>
+          <a:stretch>
+            <a:fillRect/>
+          </a:stretch>
+        </p:blipFill>
+        <p:spPr bwMode="auto">
+          <a:xfrm>
+            <a:off x="8164104" y="2184407"/>
+            <a:ext cx="404039" cy="326796"/>
+          </a:xfrm>
+          <a:prstGeom prst="rect">
+            <a:avLst/>
+          </a:prstGeom>
+          <a:noFill/>
+          <a:extLst>
+            <a:ext uri="{909E8E84-426E-40DD-AFC4-6F175D3DCCD1}">
+              <a14:hiddenFill xmlns:a14="http://schemas.microsoft.com/office/drawing/2010/main">
+                <a:solidFill>
+                  <a:srgbClr val="FFFFFF"/>
+                </a:solidFill>
+              </a14:hiddenFill>
+            </a:ext>
+          </a:extLst>
+        </p:spPr>
+      </p:pic>
+      <p:pic>
+        <p:nvPicPr>
+          <p:cNvPr id="5" name="Picture 4" descr="Image result for clip art mountain">
+            <a:extLst>
+              <a:ext uri="{FF2B5EF4-FFF2-40B4-BE49-F238E27FC236}">
+                <a16:creationId xmlns:a16="http://schemas.microsoft.com/office/drawing/2014/main" id="{072A4374-FE4D-7F93-2E5F-ED934DDA3BC8}"/>
+              </a:ext>
+            </a:extLst>
+          </p:cNvPr>
+          <p:cNvPicPr>
+            <a:picLocks noChangeAspect="1" noChangeArrowheads="1"/>
+          </p:cNvPicPr>
+          <p:nvPr/>
+        </p:nvPicPr>
+        <p:blipFill>
+          <a:blip r:embed="rId3" cstate="screen">
+            <a:extLst>
+              <a:ext uri="{28A0092B-C50C-407E-A947-70E740481C1C}">
+                <a14:useLocalDpi xmlns:a14="http://schemas.microsoft.com/office/drawing/2010/main"/>
+              </a:ext>
+            </a:extLst>
+          </a:blip>
+          <a:srcRect/>
+          <a:stretch>
+            <a:fillRect/>
+          </a:stretch>
+        </p:blipFill>
+        <p:spPr bwMode="auto">
+          <a:xfrm>
+            <a:off x="5617085" y="1909218"/>
+            <a:ext cx="5950244" cy="2518937"/>
+          </a:xfrm>
+          <a:prstGeom prst="rect">
+            <a:avLst/>
+          </a:prstGeom>
+          <a:noFill/>
+          <a:extLst>
+            <a:ext uri="{909E8E84-426E-40DD-AFC4-6F175D3DCCD1}">
+              <a14:hiddenFill xmlns:a14="http://schemas.microsoft.com/office/drawing/2010/main">
+                <a:solidFill>
+                  <a:srgbClr val="FFFFFF"/>
+                </a:solidFill>
+              </a14:hiddenFill>
+            </a:ext>
+          </a:extLst>
+        </p:spPr>
+      </p:pic>
+      <p:pic>
+        <p:nvPicPr>
+          <p:cNvPr id="9" name="Picture 8" descr="Image result for clip art mountain">
+            <a:extLst>
+              <a:ext uri="{FF2B5EF4-FFF2-40B4-BE49-F238E27FC236}">
+                <a16:creationId xmlns:a16="http://schemas.microsoft.com/office/drawing/2014/main" id="{D798786C-DB85-20C0-71CA-6300C0184548}"/>
+              </a:ext>
+            </a:extLst>
+          </p:cNvPr>
+          <p:cNvPicPr>
+            <a:picLocks noChangeAspect="1" noChangeArrowheads="1"/>
+          </p:cNvPicPr>
+          <p:nvPr/>
+        </p:nvPicPr>
+        <p:blipFill>
+          <a:blip r:embed="rId3" cstate="screen">
+            <a:extLst>
+              <a:ext uri="{28A0092B-C50C-407E-A947-70E740481C1C}">
+                <a14:useLocalDpi xmlns:a14="http://schemas.microsoft.com/office/drawing/2010/main"/>
+              </a:ext>
+            </a:extLst>
+          </a:blip>
+          <a:srcRect/>
+          <a:stretch>
+            <a:fillRect/>
+          </a:stretch>
+        </p:blipFill>
+        <p:spPr bwMode="auto">
+          <a:xfrm>
+            <a:off x="5799202" y="3932674"/>
+            <a:ext cx="5950244" cy="2518937"/>
+          </a:xfrm>
+          <a:prstGeom prst="rect">
+            <a:avLst/>
+          </a:prstGeom>
+          <a:noFill/>
+          <a:extLst>
+            <a:ext uri="{909E8E84-426E-40DD-AFC4-6F175D3DCCD1}">
+              <a14:hiddenFill xmlns:a14="http://schemas.microsoft.com/office/drawing/2010/main">
+                <a:solidFill>
+                  <a:srgbClr val="FFFFFF"/>
+                </a:solidFill>
+              </a14:hiddenFill>
+            </a:ext>
+          </a:extLst>
+        </p:spPr>
+      </p:pic>
+      <p:pic>
+        <p:nvPicPr>
+          <p:cNvPr id="6" name="Picture 5">
+            <a:extLst>
+              <a:ext uri="{FF2B5EF4-FFF2-40B4-BE49-F238E27FC236}">
+                <a16:creationId xmlns:a16="http://schemas.microsoft.com/office/drawing/2014/main" id="{BCFDAF4F-356E-E3E3-9B36-926B3218D315}"/>
+              </a:ext>
+            </a:extLst>
+          </p:cNvPr>
+          <p:cNvPicPr>
+            <a:picLocks noChangeAspect="1"/>
+          </p:cNvPicPr>
+          <p:nvPr/>
+        </p:nvPicPr>
+        <p:blipFill>
+          <a:blip r:embed="rId4" cstate="screen">
+            <a:extLst>
+              <a:ext uri="{28A0092B-C50C-407E-A947-70E740481C1C}">
+                <a14:useLocalDpi xmlns:a14="http://schemas.microsoft.com/office/drawing/2010/main"/>
+              </a:ext>
+            </a:extLst>
+          </a:blip>
+          <a:stretch>
+            <a:fillRect/>
+          </a:stretch>
+        </p:blipFill>
+        <p:spPr>
+          <a:xfrm>
+            <a:off x="5993479" y="2498322"/>
+            <a:ext cx="2437752" cy="2307739"/>
+          </a:xfrm>
+          <a:prstGeom prst="rect">
+            <a:avLst/>
+          </a:prstGeom>
+        </p:spPr>
+      </p:pic>
+      <p:pic>
+        <p:nvPicPr>
+          <p:cNvPr id="7" name="Picture 6">
+            <a:extLst>
+              <a:ext uri="{FF2B5EF4-FFF2-40B4-BE49-F238E27FC236}">
+                <a16:creationId xmlns:a16="http://schemas.microsoft.com/office/drawing/2014/main" id="{471B4DCB-467C-5F82-BDB0-5AAF567ADA7D}"/>
+              </a:ext>
+            </a:extLst>
+          </p:cNvPr>
+          <p:cNvPicPr>
+            <a:picLocks noChangeAspect="1"/>
+          </p:cNvPicPr>
+          <p:nvPr/>
+        </p:nvPicPr>
+        <p:blipFill>
+          <a:blip r:embed="rId4" cstate="screen">
+            <a:extLst>
+              <a:ext uri="{28A0092B-C50C-407E-A947-70E740481C1C}">
+                <a14:useLocalDpi xmlns:a14="http://schemas.microsoft.com/office/drawing/2010/main"/>
+              </a:ext>
+            </a:extLst>
+          </a:blip>
+          <a:stretch>
+            <a:fillRect/>
+          </a:stretch>
+        </p:blipFill>
+        <p:spPr>
+          <a:xfrm>
+            <a:off x="7956193" y="2673206"/>
+            <a:ext cx="2437752" cy="2307739"/>
+          </a:xfrm>
+          <a:prstGeom prst="rect">
+            <a:avLst/>
+          </a:prstGeom>
+        </p:spPr>
+      </p:pic>
+      <p:pic>
+        <p:nvPicPr>
+          <p:cNvPr id="8" name="Picture 7">
+            <a:extLst>
+              <a:ext uri="{FF2B5EF4-FFF2-40B4-BE49-F238E27FC236}">
+                <a16:creationId xmlns:a16="http://schemas.microsoft.com/office/drawing/2014/main" id="{8137B42D-5559-90CD-835E-A2BADA4F6FF9}"/>
+              </a:ext>
+            </a:extLst>
+          </p:cNvPr>
+          <p:cNvPicPr>
+            <a:picLocks noChangeAspect="1"/>
+          </p:cNvPicPr>
+          <p:nvPr/>
+        </p:nvPicPr>
+        <p:blipFill>
+          <a:blip r:embed="rId4" cstate="screen">
+            <a:extLst>
+              <a:ext uri="{28A0092B-C50C-407E-A947-70E740481C1C}">
+                <a14:useLocalDpi xmlns:a14="http://schemas.microsoft.com/office/drawing/2010/main"/>
+              </a:ext>
+            </a:extLst>
+          </a:blip>
+          <a:stretch>
+            <a:fillRect/>
+          </a:stretch>
+        </p:blipFill>
+        <p:spPr>
+          <a:xfrm>
+            <a:off x="9252763" y="1825625"/>
+            <a:ext cx="2437752" cy="2307739"/>
+          </a:xfrm>
+          <a:prstGeom prst="rect">
+            <a:avLst/>
+          </a:prstGeom>
+        </p:spPr>
+      </p:pic>
+      <p:pic>
+        <p:nvPicPr>
+          <p:cNvPr id="12" name="Picture 11">
+            <a:extLst>
+              <a:ext uri="{FF2B5EF4-FFF2-40B4-BE49-F238E27FC236}">
+                <a16:creationId xmlns:a16="http://schemas.microsoft.com/office/drawing/2014/main" id="{16F1B570-63D9-04D3-690D-0878598B9C6A}"/>
+              </a:ext>
+            </a:extLst>
+          </p:cNvPr>
+          <p:cNvPicPr>
+            <a:picLocks noChangeAspect="1"/>
+          </p:cNvPicPr>
+          <p:nvPr/>
+        </p:nvPicPr>
+        <p:blipFill>
+          <a:blip r:embed="rId4" cstate="screen">
+            <a:extLst>
+              <a:ext uri="{28A0092B-C50C-407E-A947-70E740481C1C}">
+                <a14:useLocalDpi xmlns:a14="http://schemas.microsoft.com/office/drawing/2010/main"/>
+              </a:ext>
+            </a:extLst>
+          </a:blip>
+          <a:stretch>
+            <a:fillRect/>
+          </a:stretch>
+        </p:blipFill>
+        <p:spPr>
+          <a:xfrm>
+            <a:off x="4872890" y="4004161"/>
+            <a:ext cx="2437752" cy="2307739"/>
+          </a:xfrm>
+          <a:prstGeom prst="rect">
+            <a:avLst/>
+          </a:prstGeom>
+        </p:spPr>
+      </p:pic>
+      <p:pic>
+        <p:nvPicPr>
+          <p:cNvPr id="2058" name="Picture 10" descr="What 'the Land Before Time' Got Right and Wrong, According to Experts">
+            <a:extLst>
+              <a:ext uri="{FF2B5EF4-FFF2-40B4-BE49-F238E27FC236}">
+                <a16:creationId xmlns:a16="http://schemas.microsoft.com/office/drawing/2014/main" id="{6068E8FE-55AC-53A1-282E-BF00AB94F2F3}"/>
+              </a:ext>
+            </a:extLst>
+          </p:cNvPr>
+          <p:cNvPicPr>
+            <a:picLocks noChangeAspect="1" noChangeArrowheads="1"/>
+          </p:cNvPicPr>
+          <p:nvPr/>
+        </p:nvPicPr>
+        <p:blipFill>
+          <a:blip r:embed="rId5">
+            <a:extLst>
+              <a:ext uri="{28A0092B-C50C-407E-A947-70E740481C1C}">
+                <a14:useLocalDpi xmlns:a14="http://schemas.microsoft.com/office/drawing/2010/main" val="0"/>
+              </a:ext>
+            </a:extLst>
+          </a:blip>
+          <a:srcRect/>
+          <a:stretch>
+            <a:fillRect/>
+          </a:stretch>
+        </p:blipFill>
+        <p:spPr bwMode="auto">
+          <a:xfrm>
+            <a:off x="8678780" y="4567719"/>
+            <a:ext cx="2392915" cy="1794686"/>
+          </a:xfrm>
+          <a:prstGeom prst="rect">
+            <a:avLst/>
+          </a:prstGeom>
+          <a:noFill/>
+          <a:extLst>
+            <a:ext uri="{909E8E84-426E-40DD-AFC4-6F175D3DCCD1}">
+              <a14:hiddenFill xmlns:a14="http://schemas.microsoft.com/office/drawing/2010/main">
+                <a:solidFill>
+                  <a:srgbClr val="FFFFFF"/>
+                </a:solidFill>
+              </a14:hiddenFill>
+            </a:ext>
+          </a:extLst>
+        </p:spPr>
+      </p:pic>
+      <p:pic>
+        <p:nvPicPr>
+          <p:cNvPr id="11" name="Picture 10">
+            <a:extLst>
+              <a:ext uri="{FF2B5EF4-FFF2-40B4-BE49-F238E27FC236}">
+                <a16:creationId xmlns:a16="http://schemas.microsoft.com/office/drawing/2014/main" id="{D04FD68F-48B7-B44A-FCA9-81530FDC815B}"/>
+              </a:ext>
+            </a:extLst>
+          </p:cNvPr>
+          <p:cNvPicPr>
+            <a:picLocks noChangeAspect="1"/>
+          </p:cNvPicPr>
+          <p:nvPr/>
+        </p:nvPicPr>
+        <p:blipFill>
+          <a:blip r:embed="rId4" cstate="screen">
+            <a:extLst>
+              <a:ext uri="{28A0092B-C50C-407E-A947-70E740481C1C}">
+                <a14:useLocalDpi xmlns:a14="http://schemas.microsoft.com/office/drawing/2010/main"/>
+              </a:ext>
+            </a:extLst>
+          </a:blip>
+          <a:stretch>
+            <a:fillRect/>
+          </a:stretch>
+        </p:blipFill>
+        <p:spPr>
+          <a:xfrm>
+            <a:off x="6837147" y="4009619"/>
+            <a:ext cx="2437752" cy="2307739"/>
+          </a:xfrm>
+          <a:prstGeom prst="rect">
+            <a:avLst/>
+          </a:prstGeom>
+        </p:spPr>
+      </p:pic>
+      <p:pic>
+        <p:nvPicPr>
+          <p:cNvPr id="10" name="Picture 9">
+            <a:extLst>
+              <a:ext uri="{FF2B5EF4-FFF2-40B4-BE49-F238E27FC236}">
+                <a16:creationId xmlns:a16="http://schemas.microsoft.com/office/drawing/2014/main" id="{889F383E-77A5-BA46-FB7B-BADCA408174F}"/>
+              </a:ext>
+            </a:extLst>
+          </p:cNvPr>
+          <p:cNvPicPr>
+            <a:picLocks noChangeAspect="1"/>
+          </p:cNvPicPr>
+          <p:nvPr/>
+        </p:nvPicPr>
+        <p:blipFill>
+          <a:blip r:embed="rId4" cstate="screen">
+            <a:extLst>
+              <a:ext uri="{28A0092B-C50C-407E-A947-70E740481C1C}">
+                <a14:useLocalDpi xmlns:a14="http://schemas.microsoft.com/office/drawing/2010/main"/>
+              </a:ext>
+            </a:extLst>
+          </a:blip>
+          <a:stretch>
+            <a:fillRect/>
+          </a:stretch>
+        </p:blipFill>
+        <p:spPr>
+          <a:xfrm>
+            <a:off x="10056887" y="3175639"/>
+            <a:ext cx="2437752" cy="2307739"/>
+          </a:xfrm>
+          <a:prstGeom prst="rect">
+            <a:avLst/>
+          </a:prstGeom>
+        </p:spPr>
+      </p:pic>
+    </p:spTree>
+    <p:extLst>
+      <p:ext uri="{BB962C8B-B14F-4D97-AF65-F5344CB8AC3E}">
+        <p14:creationId xmlns:p14="http://schemas.microsoft.com/office/powerpoint/2010/main" val="166636526"/>
+      </p:ext>
+    </p:extLst>
+  </p:cSld>
+  <p:clrMapOvr>
+    <a:masterClrMapping/>
+  </p:clrMapOvr>
+</p:sld>
+</file>
+
 <file path=ppt/slides/slide2.xml><?xml version="1.0" encoding="utf-8"?>
 <p:sld xmlns:a="http://schemas.openxmlformats.org/drawingml/2006/main" xmlns:r="http://schemas.openxmlformats.org/officeDocument/2006/relationships" xmlns:p="http://schemas.openxmlformats.org/presentationml/2006/main">
   <p:cSld>
@@ -3460,7 +5033,7 @@
         <p:spPr/>
         <p:txBody>
           <a:bodyPr>
-            <a:normAutofit/>
+            <a:normAutofit lnSpcReduction="10000"/>
           </a:bodyPr>
           <a:lstStyle/>
           <a:p>
@@ -3469,7 +5042,7 @@
             </a:pPr>
             <a:r>
               <a:rPr lang="en-US" dirty="0"/>
-              <a:t>I want to find parameters that give me the </a:t>
+              <a:t>I want to find the </a:t>
             </a:r>
             <a:r>
               <a:rPr lang="en-US" i="1" dirty="0"/>
@@ -3477,7 +5050,7 @@
             </a:r>
             <a:r>
               <a:rPr lang="en-US" dirty="0"/>
-              <a:t> performance.</a:t>
+              <a:t> model parameters.</a:t>
             </a:r>
           </a:p>
           <a:p>
@@ -3487,13 +5060,20 @@
             <a:endParaRPr lang="en-US" dirty="0"/>
           </a:p>
           <a:p>
-            <a:pPr marL="514350" indent="-514350">
-              <a:buFont typeface="+mj-lt"/>
-              <a:buAutoNum type="arabicPeriod"/>
+            <a:pPr marL="0" indent="0">
+              <a:buNone/>
             </a:pPr>
             <a:r>
               <a:rPr lang="en-US" dirty="0"/>
-              <a:t>What does best mean, exactly? We need to be able to quantify it numerically in order to determine which parameters are best.</a:t>
+              <a:t>First, I need to define what </a:t>
+            </a:r>
+            <a:r>
+              <a:rPr lang="en-US" i="1" dirty="0"/>
+              <a:t>best</a:t>
+            </a:r>
+            <a:r>
+              <a:rPr lang="en-US" dirty="0"/>
+              <a:t> means.</a:t>
             </a:r>
           </a:p>
           <a:p>
@@ -3531,21 +5111,24 @@
             </a:r>
           </a:p>
           <a:p>
-            <a:pPr marL="514350" indent="-514350">
-              <a:buFont typeface="+mj-lt"/>
-              <a:buAutoNum type="arabicPeriod"/>
+            <a:pPr marL="457200" lvl="1" indent="0">
+              <a:buNone/>
             </a:pPr>
             <a:endParaRPr lang="en-US" dirty="0"/>
           </a:p>
           <a:p>
-            <a:pPr marL="514350" indent="-514350">
-              <a:buFont typeface="+mj-lt"/>
-              <a:buAutoNum type="arabicPeriod"/>
+            <a:pPr marL="0" indent="0">
+              <a:buNone/>
             </a:pPr>
             <a:r>
               <a:rPr lang="en-US" dirty="0"/>
-              <a:t>How do I find the parameters that minimize the loss?</a:t>
-            </a:r>
+              <a:t>Then, I need a strategy for adjusting my parameters to make my model </a:t>
+            </a:r>
+            <a:r>
+              <a:rPr lang="en-US" i="1" dirty="0"/>
+              <a:t>better…</a:t>
+            </a:r>
+            <a:endParaRPr lang="en-US" dirty="0"/>
           </a:p>
           <a:p>
             <a:pPr marL="457200" lvl="1" indent="0">
@@ -3553,7 +5136,24 @@
             </a:pPr>
             <a:r>
               <a:rPr lang="en-US" dirty="0"/>
-              <a:t>	-&gt; this is the field of </a:t>
+              <a:t>	-&gt; …in other words, a strategy for reducing the </a:t>
+            </a:r>
+            <a:r>
+              <a:rPr lang="en-US" i="1" dirty="0"/>
+              <a:t>loss</a:t>
+            </a:r>
+          </a:p>
+          <a:p>
+            <a:pPr marL="457200" lvl="1" indent="0">
+              <a:buNone/>
+            </a:pPr>
+            <a:r>
+              <a:rPr lang="en-US" i="1" dirty="0"/>
+              <a:t>	</a:t>
+            </a:r>
+            <a:r>
+              <a:rPr lang="en-US" dirty="0"/>
+              <a:t>-&gt; this is the field of </a:t>
             </a:r>
             <a:r>
               <a:rPr lang="en-US" i="1" dirty="0"/>
@@ -3597,7 +5197,7 @@
           <p:cNvPr id="2" name="Title 1">
             <a:extLst>
               <a:ext uri="{FF2B5EF4-FFF2-40B4-BE49-F238E27FC236}">
-                <a16:creationId xmlns:a16="http://schemas.microsoft.com/office/drawing/2014/main" id="{4C0545B4-D722-7A0D-CCC8-4AE80DA3BADB}"/>
+                <a16:creationId xmlns:a16="http://schemas.microsoft.com/office/drawing/2014/main" id="{659670FD-8939-C39E-2A9A-25023B72449A}"/>
               </a:ext>
             </a:extLst>
           </p:cNvPr>
@@ -3615,40 +5215,271 @@
           <a:p>
             <a:r>
               <a:rPr lang="en-US" dirty="0"/>
-              <a:t>Cross-Entropy Loss for Binary Classifier</a:t>
-            </a:r>
-          </a:p>
-        </p:txBody>
-      </p:sp>
-      <p:sp>
-        <p:nvSpPr>
-          <p:cNvPr id="3" name="Content Placeholder 2">
-            <a:extLst>
-              <a:ext uri="{FF2B5EF4-FFF2-40B4-BE49-F238E27FC236}">
-                <a16:creationId xmlns:a16="http://schemas.microsoft.com/office/drawing/2014/main" id="{9931ACA0-4545-374F-C616-AA3D7869A9A9}"/>
-              </a:ext>
-            </a:extLst>
-          </p:cNvPr>
-          <p:cNvSpPr>
-            <a:spLocks noGrp="1"/>
-          </p:cNvSpPr>
-          <p:nvPr>
-            <p:ph idx="1"/>
-          </p:nvPr>
-        </p:nvSpPr>
-        <p:spPr/>
-        <p:txBody>
-          <a:bodyPr/>
-          <a:lstStyle/>
-          <a:p>
-            <a:endParaRPr lang="en-US"/>
-          </a:p>
-        </p:txBody>
-      </p:sp>
+              <a:t>I want to find the </a:t>
+            </a:r>
+            <a:r>
+              <a:rPr lang="en-US" i="1" dirty="0"/>
+              <a:t>best </a:t>
+            </a:r>
+            <a:r>
+              <a:rPr lang="en-US" dirty="0"/>
+              <a:t>dinner</a:t>
+            </a:r>
+            <a:r>
+              <a:rPr lang="en-US" i="1" dirty="0"/>
+              <a:t> </a:t>
+            </a:r>
+            <a:r>
+              <a:rPr lang="en-US" dirty="0"/>
+              <a:t>recipe</a:t>
+            </a:r>
+            <a:r>
+              <a:rPr lang="en-US" i="1" dirty="0"/>
+              <a:t>.</a:t>
+            </a:r>
+            <a:endParaRPr lang="en-US" dirty="0"/>
+          </a:p>
+        </p:txBody>
+      </p:sp>
+      <mc:AlternateContent xmlns:mc="http://schemas.openxmlformats.org/markup-compatibility/2006">
+        <mc:Choice xmlns:a14="http://schemas.microsoft.com/office/drawing/2010/main" Requires="a14">
+          <p:sp>
+            <p:nvSpPr>
+              <p:cNvPr id="3" name="Content Placeholder 2">
+                <a:extLst>
+                  <a:ext uri="{FF2B5EF4-FFF2-40B4-BE49-F238E27FC236}">
+                    <a16:creationId xmlns:a16="http://schemas.microsoft.com/office/drawing/2014/main" id="{4C5F8C79-7D3B-AB0E-6E12-0BB3A620B31B}"/>
+                  </a:ext>
+                </a:extLst>
+              </p:cNvPr>
+              <p:cNvSpPr>
+                <a:spLocks noGrp="1"/>
+              </p:cNvSpPr>
+              <p:nvPr>
+                <p:ph idx="1"/>
+              </p:nvPr>
+            </p:nvSpPr>
+            <p:spPr/>
+            <p:txBody>
+              <a:bodyPr>
+                <a:normAutofit/>
+              </a:bodyPr>
+              <a:lstStyle/>
+              <a:p>
+                <a:pPr marL="0" indent="0">
+                  <a:buNone/>
+                </a:pPr>
+                <a:r>
+                  <a:rPr lang="en-US" dirty="0"/>
+                  <a:t>This doesn’t make sense until I define what </a:t>
+                </a:r>
+                <a:r>
+                  <a:rPr lang="en-US" i="1" dirty="0"/>
+                  <a:t>best</a:t>
+                </a:r>
+                <a:r>
+                  <a:rPr lang="en-US" dirty="0"/>
+                  <a:t> means.</a:t>
+                </a:r>
+              </a:p>
+              <a:p>
+                <a:pPr marL="457200" lvl="1" indent="0">
+                  <a:buNone/>
+                </a:pPr>
+                <a:r>
+                  <a:rPr lang="en-US" dirty="0"/>
+                  <a:t>	-&gt; My measure of </a:t>
+                </a:r>
+                <a:r>
+                  <a:rPr lang="en-US" i="1" dirty="0"/>
+                  <a:t>best</a:t>
+                </a:r>
+                <a:r>
+                  <a:rPr lang="en-US" dirty="0"/>
+                  <a:t>: highest possible </a:t>
+                </a:r>
+                <a14:m>
+                  <m:oMath xmlns:m="http://schemas.openxmlformats.org/officeDocument/2006/math">
+                    <m:f>
+                      <m:fPr>
+                        <m:ctrlPr>
+                          <a:rPr lang="en-US" b="0" i="1" smtClean="0">
+                            <a:latin typeface="Cambria Math" panose="02040503050406030204" pitchFamily="18" charset="0"/>
+                          </a:rPr>
+                        </m:ctrlPr>
+                      </m:fPr>
+                      <m:num>
+                        <m:r>
+                          <m:rPr>
+                            <m:sty m:val="p"/>
+                          </m:rPr>
+                          <a:rPr lang="en-US" b="0" i="0" smtClean="0">
+                            <a:latin typeface="Cambria Math" panose="02040503050406030204" pitchFamily="18" charset="0"/>
+                          </a:rPr>
+                          <m:t>calories</m:t>
+                        </m:r>
+                      </m:num>
+                      <m:den>
+                        <m:r>
+                          <m:rPr>
+                            <m:sty m:val="p"/>
+                          </m:rPr>
+                          <a:rPr lang="en-US" b="0" i="0" smtClean="0">
+                            <a:latin typeface="Cambria Math" panose="02040503050406030204" pitchFamily="18" charset="0"/>
+                          </a:rPr>
+                          <m:t>cost</m:t>
+                        </m:r>
+                        <m:r>
+                          <a:rPr lang="en-US" b="0" i="0" smtClean="0">
+                            <a:latin typeface="Cambria Math" panose="02040503050406030204" pitchFamily="18" charset="0"/>
+                          </a:rPr>
+                          <m:t> </m:t>
+                        </m:r>
+                        <m:r>
+                          <m:rPr>
+                            <m:sty m:val="p"/>
+                          </m:rPr>
+                          <a:rPr lang="en-US" b="0" i="0" smtClean="0">
+                            <a:latin typeface="Cambria Math" panose="02040503050406030204" pitchFamily="18" charset="0"/>
+                          </a:rPr>
+                          <m:t>x</m:t>
+                        </m:r>
+                        <m:r>
+                          <a:rPr lang="en-US" b="0" i="0" smtClean="0">
+                            <a:latin typeface="Cambria Math" panose="02040503050406030204" pitchFamily="18" charset="0"/>
+                          </a:rPr>
+                          <m:t> </m:t>
+                        </m:r>
+                        <m:r>
+                          <m:rPr>
+                            <m:sty m:val="p"/>
+                          </m:rPr>
+                          <a:rPr lang="en-US" b="0" i="0" smtClean="0">
+                            <a:latin typeface="Cambria Math" panose="02040503050406030204" pitchFamily="18" charset="0"/>
+                          </a:rPr>
+                          <m:t>time</m:t>
+                        </m:r>
+                      </m:den>
+                    </m:f>
+                  </m:oMath>
+                </a14:m>
+                <a:endParaRPr lang="en-US" dirty="0"/>
+              </a:p>
+              <a:p>
+                <a:pPr marL="457200" lvl="1" indent="0">
+                  <a:buNone/>
+                </a:pPr>
+                <a:r>
+                  <a:rPr lang="en-US" i="1" dirty="0"/>
+                  <a:t>	</a:t>
+                </a:r>
+                <a:r>
+                  <a:rPr lang="en-US" dirty="0"/>
+                  <a:t>-&gt; “a lot food for cheap, </a:t>
+                </a:r>
+                <a:r>
+                  <a:rPr lang="en-US" i="1" dirty="0"/>
+                  <a:t>right</a:t>
+                </a:r>
+                <a:r>
+                  <a:rPr lang="en-US" dirty="0"/>
+                  <a:t> </a:t>
+                </a:r>
+                <a:r>
+                  <a:rPr lang="en-US" i="1" dirty="0"/>
+                  <a:t>now</a:t>
+                </a:r>
+                <a:r>
+                  <a:rPr lang="en-US" dirty="0"/>
+                  <a:t>”</a:t>
+                </a:r>
+              </a:p>
+              <a:p>
+                <a:pPr marL="457200" lvl="1" indent="0">
+                  <a:buNone/>
+                </a:pPr>
+                <a:endParaRPr lang="en-US" dirty="0"/>
+              </a:p>
+              <a:p>
+                <a:pPr marL="0" indent="0">
+                  <a:buNone/>
+                </a:pPr>
+                <a:r>
+                  <a:rPr lang="en-US" dirty="0"/>
+                  <a:t>Then, I need a strategy for adjusting my ingredients and prep.</a:t>
+                </a:r>
+              </a:p>
+              <a:p>
+                <a:pPr marL="457200" lvl="1" indent="0">
+                  <a:buNone/>
+                </a:pPr>
+                <a:r>
+                  <a:rPr lang="en-US" dirty="0"/>
+                  <a:t>	-&gt; increase cheap, high calorie ingredients</a:t>
+                </a:r>
+                <a:endParaRPr lang="en-US" i="1" dirty="0"/>
+              </a:p>
+              <a:p>
+                <a:pPr marL="457200" lvl="1" indent="0">
+                  <a:buNone/>
+                </a:pPr>
+                <a:r>
+                  <a:rPr lang="en-US" i="1" dirty="0"/>
+                  <a:t>	</a:t>
+                </a:r>
+                <a:r>
+                  <a:rPr lang="en-US" dirty="0"/>
+                  <a:t>-&gt; decrease ingredients with longer prep/cook time</a:t>
+                </a:r>
+                <a:endParaRPr lang="en-US" i="1" dirty="0"/>
+              </a:p>
+            </p:txBody>
+          </p:sp>
+        </mc:Choice>
+        <mc:Fallback>
+          <p:sp>
+            <p:nvSpPr>
+              <p:cNvPr id="3" name="Content Placeholder 2">
+                <a:extLst>
+                  <a:ext uri="{FF2B5EF4-FFF2-40B4-BE49-F238E27FC236}">
+                    <a16:creationId xmlns:a16="http://schemas.microsoft.com/office/drawing/2014/main" id="{4C5F8C79-7D3B-AB0E-6E12-0BB3A620B31B}"/>
+                  </a:ext>
+                </a:extLst>
+              </p:cNvPr>
+              <p:cNvSpPr>
+                <a:spLocks noGrp="1" noRot="1" noChangeAspect="1" noMove="1" noResize="1" noEditPoints="1" noAdjustHandles="1" noChangeArrowheads="1" noChangeShapeType="1" noTextEdit="1"/>
+              </p:cNvSpPr>
+              <p:nvPr>
+                <p:ph idx="1"/>
+              </p:nvPr>
+            </p:nvSpPr>
+            <p:spPr>
+              <a:blipFill>
+                <a:blip r:embed="rId2"/>
+                <a:stretch>
+                  <a:fillRect l="-1206" t="-2326"/>
+                </a:stretch>
+              </a:blipFill>
+            </p:spPr>
+            <p:txBody>
+              <a:bodyPr/>
+              <a:lstStyle/>
+              <a:p>
+                <a:r>
+                  <a:rPr lang="en-US">
+                    <a:noFill/>
+                  </a:rPr>
+                  <a:t> </a:t>
+                </a:r>
+              </a:p>
+            </p:txBody>
+          </p:sp>
+        </mc:Fallback>
+      </mc:AlternateContent>
     </p:spTree>
     <p:extLst>
       <p:ext uri="{BB962C8B-B14F-4D97-AF65-F5344CB8AC3E}">
-        <p14:creationId xmlns:p14="http://schemas.microsoft.com/office/powerpoint/2010/main" val="406844385"/>
+        <p14:creationId xmlns:p14="http://schemas.microsoft.com/office/powerpoint/2010/main" val="3913307779"/>
       </p:ext>
     </p:extLst>
   </p:cSld>
@@ -3680,7 +5511,7 @@
           <p:cNvPr id="2" name="Title 1">
             <a:extLst>
               <a:ext uri="{FF2B5EF4-FFF2-40B4-BE49-F238E27FC236}">
-                <a16:creationId xmlns:a16="http://schemas.microsoft.com/office/drawing/2014/main" id="{626DE1E5-E399-667C-525C-ED08C62EB92A}"/>
+                <a16:creationId xmlns:a16="http://schemas.microsoft.com/office/drawing/2014/main" id="{659670FD-8939-C39E-2A9A-25023B72449A}"/>
               </a:ext>
             </a:extLst>
           </p:cNvPr>
@@ -3698,40 +5529,1604 @@
           <a:p>
             <a:r>
               <a:rPr lang="en-US" dirty="0"/>
-              <a:t>Parameter Optimization by Gradient Descent</a:t>
-            </a:r>
-          </a:p>
-        </p:txBody>
-      </p:sp>
-      <p:sp>
-        <p:nvSpPr>
-          <p:cNvPr id="3" name="Content Placeholder 2">
-            <a:extLst>
-              <a:ext uri="{FF2B5EF4-FFF2-40B4-BE49-F238E27FC236}">
-                <a16:creationId xmlns:a16="http://schemas.microsoft.com/office/drawing/2014/main" id="{93061980-2DEC-52AD-5358-360BC15BD589}"/>
-              </a:ext>
-            </a:extLst>
-          </p:cNvPr>
-          <p:cNvSpPr>
-            <a:spLocks noGrp="1"/>
-          </p:cNvSpPr>
-          <p:nvPr>
-            <p:ph idx="1"/>
-          </p:nvPr>
-        </p:nvSpPr>
-        <p:spPr/>
-        <p:txBody>
-          <a:bodyPr/>
-          <a:lstStyle/>
-          <a:p>
-            <a:endParaRPr lang="en-US"/>
-          </a:p>
-        </p:txBody>
-      </p:sp>
+              <a:t>I want to find the </a:t>
+            </a:r>
+            <a:r>
+              <a:rPr lang="en-US" i="1" dirty="0"/>
+              <a:t>best </a:t>
+            </a:r>
+            <a:r>
+              <a:rPr lang="en-US" dirty="0"/>
+              <a:t>dinner</a:t>
+            </a:r>
+            <a:r>
+              <a:rPr lang="en-US" i="1" dirty="0"/>
+              <a:t> </a:t>
+            </a:r>
+            <a:r>
+              <a:rPr lang="en-US" dirty="0"/>
+              <a:t>recipe</a:t>
+            </a:r>
+            <a:r>
+              <a:rPr lang="en-US" i="1" dirty="0"/>
+              <a:t>.</a:t>
+            </a:r>
+            <a:endParaRPr lang="en-US" dirty="0"/>
+          </a:p>
+        </p:txBody>
+      </p:sp>
+      <mc:AlternateContent xmlns:mc="http://schemas.openxmlformats.org/markup-compatibility/2006">
+        <mc:Choice xmlns:a14="http://schemas.microsoft.com/office/drawing/2010/main" Requires="a14">
+          <p:sp>
+            <p:nvSpPr>
+              <p:cNvPr id="3" name="Content Placeholder 2">
+                <a:extLst>
+                  <a:ext uri="{FF2B5EF4-FFF2-40B4-BE49-F238E27FC236}">
+                    <a16:creationId xmlns:a16="http://schemas.microsoft.com/office/drawing/2014/main" id="{4C5F8C79-7D3B-AB0E-6E12-0BB3A620B31B}"/>
+                  </a:ext>
+                </a:extLst>
+              </p:cNvPr>
+              <p:cNvSpPr>
+                <a:spLocks noGrp="1"/>
+              </p:cNvSpPr>
+              <p:nvPr>
+                <p:ph idx="1"/>
+              </p:nvPr>
+            </p:nvSpPr>
+            <p:spPr/>
+            <p:txBody>
+              <a:bodyPr>
+                <a:normAutofit/>
+              </a:bodyPr>
+              <a:lstStyle/>
+              <a:p>
+                <a:pPr marL="0" indent="0">
+                  <a:buNone/>
+                </a:pPr>
+                <a:r>
+                  <a:rPr lang="en-US" dirty="0"/>
+                  <a:t>This doesn’t make sense until I define what </a:t>
+                </a:r>
+                <a:r>
+                  <a:rPr lang="en-US" i="1" dirty="0"/>
+                  <a:t>best</a:t>
+                </a:r>
+                <a:r>
+                  <a:rPr lang="en-US" dirty="0"/>
+                  <a:t> means.</a:t>
+                </a:r>
+              </a:p>
+              <a:p>
+                <a:pPr marL="457200" lvl="1" indent="0">
+                  <a:buNone/>
+                </a:pPr>
+                <a:r>
+                  <a:rPr lang="en-US" dirty="0"/>
+                  <a:t>	-&gt; My measure of </a:t>
+                </a:r>
+                <a:r>
+                  <a:rPr lang="en-US" i="1" dirty="0"/>
+                  <a:t>best</a:t>
+                </a:r>
+                <a:r>
+                  <a:rPr lang="en-US" dirty="0"/>
+                  <a:t>: highest possible </a:t>
+                </a:r>
+                <a14:m>
+                  <m:oMath xmlns:m="http://schemas.openxmlformats.org/officeDocument/2006/math">
+                    <m:f>
+                      <m:fPr>
+                        <m:ctrlPr>
+                          <a:rPr lang="en-US" b="0" i="1" smtClean="0">
+                            <a:latin typeface="Cambria Math" panose="02040503050406030204" pitchFamily="18" charset="0"/>
+                          </a:rPr>
+                        </m:ctrlPr>
+                      </m:fPr>
+                      <m:num>
+                        <m:r>
+                          <m:rPr>
+                            <m:sty m:val="p"/>
+                          </m:rPr>
+                          <a:rPr lang="en-US" b="0" i="0" smtClean="0">
+                            <a:latin typeface="Cambria Math" panose="02040503050406030204" pitchFamily="18" charset="0"/>
+                          </a:rPr>
+                          <m:t>calories</m:t>
+                        </m:r>
+                      </m:num>
+                      <m:den>
+                        <m:r>
+                          <m:rPr>
+                            <m:sty m:val="p"/>
+                          </m:rPr>
+                          <a:rPr lang="en-US" b="0" i="0" smtClean="0">
+                            <a:latin typeface="Cambria Math" panose="02040503050406030204" pitchFamily="18" charset="0"/>
+                          </a:rPr>
+                          <m:t>cost</m:t>
+                        </m:r>
+                        <m:r>
+                          <a:rPr lang="en-US" b="0" i="0" smtClean="0">
+                            <a:latin typeface="Cambria Math" panose="02040503050406030204" pitchFamily="18" charset="0"/>
+                          </a:rPr>
+                          <m:t> </m:t>
+                        </m:r>
+                        <m:r>
+                          <m:rPr>
+                            <m:sty m:val="p"/>
+                          </m:rPr>
+                          <a:rPr lang="en-US" b="0" i="0" smtClean="0">
+                            <a:latin typeface="Cambria Math" panose="02040503050406030204" pitchFamily="18" charset="0"/>
+                          </a:rPr>
+                          <m:t>x</m:t>
+                        </m:r>
+                        <m:r>
+                          <a:rPr lang="en-US" b="0" i="0" smtClean="0">
+                            <a:latin typeface="Cambria Math" panose="02040503050406030204" pitchFamily="18" charset="0"/>
+                          </a:rPr>
+                          <m:t> </m:t>
+                        </m:r>
+                        <m:r>
+                          <m:rPr>
+                            <m:sty m:val="p"/>
+                          </m:rPr>
+                          <a:rPr lang="en-US" b="0" i="0" smtClean="0">
+                            <a:latin typeface="Cambria Math" panose="02040503050406030204" pitchFamily="18" charset="0"/>
+                          </a:rPr>
+                          <m:t>time</m:t>
+                        </m:r>
+                      </m:den>
+                    </m:f>
+                  </m:oMath>
+                </a14:m>
+                <a:endParaRPr lang="en-US" dirty="0"/>
+              </a:p>
+              <a:p>
+                <a:pPr marL="457200" lvl="1" indent="0">
+                  <a:buNone/>
+                </a:pPr>
+                <a:r>
+                  <a:rPr lang="en-US" i="1" dirty="0"/>
+                  <a:t>	</a:t>
+                </a:r>
+                <a:r>
+                  <a:rPr lang="en-US" dirty="0"/>
+                  <a:t>-&gt; “a lot food for cheap, </a:t>
+                </a:r>
+                <a:r>
+                  <a:rPr lang="en-US" i="1" dirty="0"/>
+                  <a:t>right</a:t>
+                </a:r>
+                <a:r>
+                  <a:rPr lang="en-US" dirty="0"/>
+                  <a:t> </a:t>
+                </a:r>
+                <a:r>
+                  <a:rPr lang="en-US" i="1" dirty="0"/>
+                  <a:t>now</a:t>
+                </a:r>
+                <a:r>
+                  <a:rPr lang="en-US" dirty="0"/>
+                  <a:t>”</a:t>
+                </a:r>
+              </a:p>
+              <a:p>
+                <a:pPr marL="457200" lvl="1" indent="0">
+                  <a:buNone/>
+                </a:pPr>
+                <a:endParaRPr lang="en-US" dirty="0"/>
+              </a:p>
+              <a:p>
+                <a:pPr marL="0" indent="0">
+                  <a:buNone/>
+                </a:pPr>
+                <a:r>
+                  <a:rPr lang="en-US" dirty="0"/>
+                  <a:t>Then, I need a strategy for adjusting my ingredients and prep.</a:t>
+                </a:r>
+              </a:p>
+              <a:p>
+                <a:pPr marL="457200" lvl="1" indent="0">
+                  <a:buNone/>
+                </a:pPr>
+                <a:r>
+                  <a:rPr lang="en-US" dirty="0"/>
+                  <a:t>	-&gt; increase cheap, high calorie ingredients</a:t>
+                </a:r>
+                <a:endParaRPr lang="en-US" i="1" dirty="0"/>
+              </a:p>
+              <a:p>
+                <a:pPr marL="457200" lvl="1" indent="0">
+                  <a:buNone/>
+                </a:pPr>
+                <a:r>
+                  <a:rPr lang="en-US" i="1" dirty="0"/>
+                  <a:t>	</a:t>
+                </a:r>
+                <a:r>
+                  <a:rPr lang="en-US" dirty="0"/>
+                  <a:t>-&gt; decrease ingredients with longer prep/cook time</a:t>
+                </a:r>
+                <a:endParaRPr lang="en-US" i="1" dirty="0"/>
+              </a:p>
+            </p:txBody>
+          </p:sp>
+        </mc:Choice>
+        <mc:Fallback>
+          <p:sp>
+            <p:nvSpPr>
+              <p:cNvPr id="3" name="Content Placeholder 2">
+                <a:extLst>
+                  <a:ext uri="{FF2B5EF4-FFF2-40B4-BE49-F238E27FC236}">
+                    <a16:creationId xmlns:a16="http://schemas.microsoft.com/office/drawing/2014/main" id="{4C5F8C79-7D3B-AB0E-6E12-0BB3A620B31B}"/>
+                  </a:ext>
+                </a:extLst>
+              </p:cNvPr>
+              <p:cNvSpPr>
+                <a:spLocks noGrp="1" noRot="1" noChangeAspect="1" noMove="1" noResize="1" noEditPoints="1" noAdjustHandles="1" noChangeArrowheads="1" noChangeShapeType="1" noTextEdit="1"/>
+              </p:cNvSpPr>
+              <p:nvPr>
+                <p:ph idx="1"/>
+              </p:nvPr>
+            </p:nvSpPr>
+            <p:spPr>
+              <a:blipFill>
+                <a:blip r:embed="rId2"/>
+                <a:stretch>
+                  <a:fillRect l="-1206" t="-2326"/>
+                </a:stretch>
+              </a:blipFill>
+            </p:spPr>
+            <p:txBody>
+              <a:bodyPr/>
+              <a:lstStyle/>
+              <a:p>
+                <a:r>
+                  <a:rPr lang="en-US">
+                    <a:noFill/>
+                  </a:rPr>
+                  <a:t> </a:t>
+                </a:r>
+              </a:p>
+            </p:txBody>
+          </p:sp>
+        </mc:Fallback>
+      </mc:AlternateContent>
+      <p:pic>
+        <p:nvPicPr>
+          <p:cNvPr id="1026" name="Picture 2" descr="Taco Bell in Durham, NC | The Streets at Southpoint">
+            <a:extLst>
+              <a:ext uri="{FF2B5EF4-FFF2-40B4-BE49-F238E27FC236}">
+                <a16:creationId xmlns:a16="http://schemas.microsoft.com/office/drawing/2014/main" id="{DFBCDCD3-7094-EC24-09EF-4F8B9130359A}"/>
+              </a:ext>
+            </a:extLst>
+          </p:cNvPr>
+          <p:cNvPicPr>
+            <a:picLocks noChangeAspect="1" noChangeArrowheads="1"/>
+          </p:cNvPicPr>
+          <p:nvPr/>
+        </p:nvPicPr>
+        <p:blipFill>
+          <a:blip r:embed="rId3">
+            <a:alphaModFix amt="50000"/>
+            <a:extLst>
+              <a:ext uri="{28A0092B-C50C-407E-A947-70E740481C1C}">
+                <a14:useLocalDpi xmlns:a14="http://schemas.microsoft.com/office/drawing/2010/main" val="0"/>
+              </a:ext>
+            </a:extLst>
+          </a:blip>
+          <a:srcRect/>
+          <a:stretch>
+            <a:fillRect/>
+          </a:stretch>
+        </p:blipFill>
+        <p:spPr bwMode="auto">
+          <a:xfrm>
+            <a:off x="3556000" y="228600"/>
+            <a:ext cx="5080000" cy="6400800"/>
+          </a:xfrm>
+          <a:prstGeom prst="rect">
+            <a:avLst/>
+          </a:prstGeom>
+          <a:noFill/>
+          <a:extLst>
+            <a:ext uri="{909E8E84-426E-40DD-AFC4-6F175D3DCCD1}">
+              <a14:hiddenFill xmlns:a14="http://schemas.microsoft.com/office/drawing/2010/main">
+                <a:solidFill>
+                  <a:srgbClr val="FFFFFF"/>
+                </a:solidFill>
+              </a14:hiddenFill>
+            </a:ext>
+          </a:extLst>
+        </p:spPr>
+      </p:pic>
     </p:spTree>
     <p:extLst>
       <p:ext uri="{BB962C8B-B14F-4D97-AF65-F5344CB8AC3E}">
-        <p14:creationId xmlns:p14="http://schemas.microsoft.com/office/powerpoint/2010/main" val="166636526"/>
+        <p14:creationId xmlns:p14="http://schemas.microsoft.com/office/powerpoint/2010/main" val="4071425899"/>
+      </p:ext>
+    </p:extLst>
+  </p:cSld>
+  <p:clrMapOvr>
+    <a:masterClrMapping/>
+  </p:clrMapOvr>
+</p:sld>
+</file>
+
+<file path=ppt/slides/slide5.xml><?xml version="1.0" encoding="utf-8"?>
+<p:sld xmlns:a="http://schemas.openxmlformats.org/drawingml/2006/main" xmlns:r="http://schemas.openxmlformats.org/officeDocument/2006/relationships" xmlns:p="http://schemas.openxmlformats.org/presentationml/2006/main">
+  <p:cSld>
+    <p:spTree>
+      <p:nvGrpSpPr>
+        <p:cNvPr id="1" name=""/>
+        <p:cNvGrpSpPr/>
+        <p:nvPr/>
+      </p:nvGrpSpPr>
+      <p:grpSpPr>
+        <a:xfrm>
+          <a:off x="0" y="0"/>
+          <a:ext cx="0" cy="0"/>
+          <a:chOff x="0" y="0"/>
+          <a:chExt cx="0" cy="0"/>
+        </a:xfrm>
+      </p:grpSpPr>
+      <p:sp>
+        <p:nvSpPr>
+          <p:cNvPr id="2" name="Title 1">
+            <a:extLst>
+              <a:ext uri="{FF2B5EF4-FFF2-40B4-BE49-F238E27FC236}">
+                <a16:creationId xmlns:a16="http://schemas.microsoft.com/office/drawing/2014/main" id="{659670FD-8939-C39E-2A9A-25023B72449A}"/>
+              </a:ext>
+            </a:extLst>
+          </p:cNvPr>
+          <p:cNvSpPr>
+            <a:spLocks noGrp="1"/>
+          </p:cNvSpPr>
+          <p:nvPr>
+            <p:ph type="title"/>
+          </p:nvPr>
+        </p:nvSpPr>
+        <p:spPr/>
+        <p:txBody>
+          <a:bodyPr/>
+          <a:lstStyle/>
+          <a:p>
+            <a:r>
+              <a:rPr lang="en-US" dirty="0"/>
+              <a:t>How does training, or learning, work?</a:t>
+            </a:r>
+          </a:p>
+        </p:txBody>
+      </p:sp>
+      <p:sp>
+        <p:nvSpPr>
+          <p:cNvPr id="3" name="Content Placeholder 2">
+            <a:extLst>
+              <a:ext uri="{FF2B5EF4-FFF2-40B4-BE49-F238E27FC236}">
+                <a16:creationId xmlns:a16="http://schemas.microsoft.com/office/drawing/2014/main" id="{4C5F8C79-7D3B-AB0E-6E12-0BB3A620B31B}"/>
+              </a:ext>
+            </a:extLst>
+          </p:cNvPr>
+          <p:cNvSpPr>
+            <a:spLocks noGrp="1"/>
+          </p:cNvSpPr>
+          <p:nvPr>
+            <p:ph idx="1"/>
+          </p:nvPr>
+        </p:nvSpPr>
+        <p:spPr/>
+        <p:txBody>
+          <a:bodyPr>
+            <a:normAutofit lnSpcReduction="10000"/>
+          </a:bodyPr>
+          <a:lstStyle/>
+          <a:p>
+            <a:pPr marL="0" indent="0">
+              <a:buNone/>
+            </a:pPr>
+            <a:r>
+              <a:rPr lang="en-US" dirty="0"/>
+              <a:t>I want to find the </a:t>
+            </a:r>
+            <a:r>
+              <a:rPr lang="en-US" i="1" dirty="0"/>
+              <a:t>best</a:t>
+            </a:r>
+            <a:r>
+              <a:rPr lang="en-US" dirty="0"/>
+              <a:t> model parameters.</a:t>
+            </a:r>
+          </a:p>
+          <a:p>
+            <a:pPr marL="0" indent="0">
+              <a:buNone/>
+            </a:pPr>
+            <a:endParaRPr lang="en-US" dirty="0"/>
+          </a:p>
+          <a:p>
+            <a:pPr marL="0" indent="0">
+              <a:buNone/>
+            </a:pPr>
+            <a:r>
+              <a:rPr lang="en-US" dirty="0"/>
+              <a:t>First, I need to define what </a:t>
+            </a:r>
+            <a:r>
+              <a:rPr lang="en-US" i="1" dirty="0"/>
+              <a:t>best</a:t>
+            </a:r>
+            <a:r>
+              <a:rPr lang="en-US" dirty="0"/>
+              <a:t> means.</a:t>
+            </a:r>
+          </a:p>
+          <a:p>
+            <a:pPr marL="457200" lvl="1" indent="0">
+              <a:buNone/>
+            </a:pPr>
+            <a:r>
+              <a:rPr lang="en-US" dirty="0"/>
+              <a:t>	</a:t>
+            </a:r>
+            <a:r>
+              <a:rPr lang="en-US" dirty="0">
+                <a:solidFill>
+                  <a:schemeClr val="accent2"/>
+                </a:solidFill>
+              </a:rPr>
+              <a:t>-&gt; for binary classification, we use the </a:t>
+            </a:r>
+            <a:r>
+              <a:rPr lang="en-US" i="1" dirty="0">
+                <a:solidFill>
+                  <a:schemeClr val="accent2"/>
+                </a:solidFill>
+              </a:rPr>
+              <a:t>cross-entropy loss</a:t>
+            </a:r>
+          </a:p>
+          <a:p>
+            <a:pPr marL="457200" lvl="1" indent="0">
+              <a:buNone/>
+            </a:pPr>
+            <a:r>
+              <a:rPr lang="en-US" i="1" dirty="0"/>
+              <a:t>	</a:t>
+            </a:r>
+            <a:r>
+              <a:rPr lang="en-US" dirty="0"/>
+              <a:t>-&gt; the </a:t>
+            </a:r>
+            <a:r>
+              <a:rPr lang="en-US" i="1" dirty="0"/>
+              <a:t>best</a:t>
+            </a:r>
+            <a:r>
+              <a:rPr lang="en-US" dirty="0"/>
+              <a:t> parameters are those that minimize it</a:t>
+            </a:r>
+          </a:p>
+          <a:p>
+            <a:pPr marL="457200" lvl="1" indent="0">
+              <a:buNone/>
+            </a:pPr>
+            <a:endParaRPr lang="en-US" dirty="0"/>
+          </a:p>
+          <a:p>
+            <a:pPr marL="0" indent="0">
+              <a:buNone/>
+            </a:pPr>
+            <a:r>
+              <a:rPr lang="en-US" dirty="0"/>
+              <a:t>Then, I need a strategy for adjusting my parameters to make my model </a:t>
+            </a:r>
+            <a:r>
+              <a:rPr lang="en-US" i="1" dirty="0"/>
+              <a:t>better…</a:t>
+            </a:r>
+            <a:endParaRPr lang="en-US" dirty="0"/>
+          </a:p>
+          <a:p>
+            <a:pPr marL="457200" lvl="1" indent="0">
+              <a:buNone/>
+            </a:pPr>
+            <a:r>
+              <a:rPr lang="en-US" dirty="0"/>
+              <a:t>	</a:t>
+            </a:r>
+            <a:r>
+              <a:rPr lang="en-US" dirty="0">
+                <a:solidFill>
+                  <a:schemeClr val="accent2"/>
+                </a:solidFill>
+              </a:rPr>
+              <a:t>-&gt; our strategy for reducing it is called </a:t>
+            </a:r>
+            <a:r>
+              <a:rPr lang="en-US" i="1" dirty="0">
+                <a:solidFill>
+                  <a:schemeClr val="accent2"/>
+                </a:solidFill>
+              </a:rPr>
+              <a:t>stochastic gradient descent</a:t>
+            </a:r>
+          </a:p>
+          <a:p>
+            <a:pPr marL="457200" lvl="1" indent="0">
+              <a:buNone/>
+            </a:pPr>
+            <a:r>
+              <a:rPr lang="en-US" i="1" dirty="0"/>
+              <a:t>	</a:t>
+            </a:r>
+            <a:r>
+              <a:rPr lang="en-US" dirty="0"/>
+              <a:t>-&gt; this is an example of an </a:t>
+            </a:r>
+            <a:r>
+              <a:rPr lang="en-US" i="1" dirty="0"/>
+              <a:t>optimization algorithm</a:t>
+            </a:r>
+          </a:p>
+        </p:txBody>
+      </p:sp>
+    </p:spTree>
+    <p:extLst>
+      <p:ext uri="{BB962C8B-B14F-4D97-AF65-F5344CB8AC3E}">
+        <p14:creationId xmlns:p14="http://schemas.microsoft.com/office/powerpoint/2010/main" val="1825910565"/>
+      </p:ext>
+    </p:extLst>
+  </p:cSld>
+  <p:clrMapOvr>
+    <a:masterClrMapping/>
+  </p:clrMapOvr>
+</p:sld>
+</file>
+
+<file path=ppt/slides/slide6.xml><?xml version="1.0" encoding="utf-8"?>
+<p:sld xmlns:a="http://schemas.openxmlformats.org/drawingml/2006/main" xmlns:r="http://schemas.openxmlformats.org/officeDocument/2006/relationships" xmlns:p="http://schemas.openxmlformats.org/presentationml/2006/main">
+  <p:cSld>
+    <p:spTree>
+      <p:nvGrpSpPr>
+        <p:cNvPr id="1" name=""/>
+        <p:cNvGrpSpPr/>
+        <p:nvPr/>
+      </p:nvGrpSpPr>
+      <p:grpSpPr>
+        <a:xfrm>
+          <a:off x="0" y="0"/>
+          <a:ext cx="0" cy="0"/>
+          <a:chOff x="0" y="0"/>
+          <a:chExt cx="0" cy="0"/>
+        </a:xfrm>
+      </p:grpSpPr>
+      <p:sp>
+        <p:nvSpPr>
+          <p:cNvPr id="2" name="Title 1">
+            <a:extLst>
+              <a:ext uri="{FF2B5EF4-FFF2-40B4-BE49-F238E27FC236}">
+                <a16:creationId xmlns:a16="http://schemas.microsoft.com/office/drawing/2014/main" id="{4C0545B4-D722-7A0D-CCC8-4AE80DA3BADB}"/>
+              </a:ext>
+            </a:extLst>
+          </p:cNvPr>
+          <p:cNvSpPr>
+            <a:spLocks noGrp="1"/>
+          </p:cNvSpPr>
+          <p:nvPr>
+            <p:ph type="title"/>
+          </p:nvPr>
+        </p:nvSpPr>
+        <p:spPr/>
+        <p:txBody>
+          <a:bodyPr/>
+          <a:lstStyle/>
+          <a:p>
+            <a:r>
+              <a:rPr lang="en-US" dirty="0"/>
+              <a:t>Loss Function for Binary Classification</a:t>
+            </a:r>
+            <a:br>
+              <a:rPr lang="en-US" dirty="0"/>
+            </a:br>
+            <a:r>
+              <a:rPr lang="en-US" sz="2800" i="1" dirty="0"/>
+              <a:t>“cross-entropy loss”</a:t>
+            </a:r>
+            <a:endParaRPr lang="en-US" i="1" dirty="0"/>
+          </a:p>
+        </p:txBody>
+      </p:sp>
+      <p:pic>
+        <p:nvPicPr>
+          <p:cNvPr id="4" name="Picture 3">
+            <a:extLst>
+              <a:ext uri="{FF2B5EF4-FFF2-40B4-BE49-F238E27FC236}">
+                <a16:creationId xmlns:a16="http://schemas.microsoft.com/office/drawing/2014/main" id="{26014880-C9DA-CE1E-9B00-10EF50A3F4D5}"/>
+              </a:ext>
+            </a:extLst>
+          </p:cNvPr>
+          <p:cNvPicPr>
+            <a:picLocks noChangeAspect="1"/>
+          </p:cNvPicPr>
+          <p:nvPr/>
+        </p:nvPicPr>
+        <p:blipFill>
+          <a:blip r:embed="rId2"/>
+          <a:stretch>
+            <a:fillRect/>
+          </a:stretch>
+        </p:blipFill>
+        <p:spPr>
+          <a:xfrm>
+            <a:off x="4783121" y="1690688"/>
+            <a:ext cx="6851768" cy="4567846"/>
+          </a:xfrm>
+          <a:prstGeom prst="rect">
+            <a:avLst/>
+          </a:prstGeom>
+        </p:spPr>
+      </p:pic>
+      <mc:AlternateContent xmlns:mc="http://schemas.openxmlformats.org/markup-compatibility/2006">
+        <mc:Choice xmlns:a14="http://schemas.microsoft.com/office/drawing/2010/main" Requires="a14">
+          <p:sp>
+            <p:nvSpPr>
+              <p:cNvPr id="5" name="TextBox 4">
+                <a:extLst>
+                  <a:ext uri="{FF2B5EF4-FFF2-40B4-BE49-F238E27FC236}">
+                    <a16:creationId xmlns:a16="http://schemas.microsoft.com/office/drawing/2014/main" id="{88907702-ADE7-2175-7274-E8B611B08604}"/>
+                  </a:ext>
+                </a:extLst>
+              </p:cNvPr>
+              <p:cNvSpPr txBox="1"/>
+              <p:nvPr/>
+            </p:nvSpPr>
+            <p:spPr>
+              <a:xfrm>
+                <a:off x="838200" y="2266451"/>
+                <a:ext cx="2879122" cy="3416320"/>
+              </a:xfrm>
+              <a:prstGeom prst="rect">
+                <a:avLst/>
+              </a:prstGeom>
+              <a:noFill/>
+            </p:spPr>
+            <p:txBody>
+              <a:bodyPr wrap="square" rtlCol="0">
+                <a:spAutoFit/>
+              </a:bodyPr>
+              <a:lstStyle/>
+              <a:p>
+                <a:r>
+                  <a:rPr lang="en-US" dirty="0">
+                    <a:solidFill>
+                      <a:srgbClr val="FF0000"/>
+                    </a:solidFill>
+                  </a:rPr>
+                  <a:t>When the outcome </a:t>
+                </a:r>
+                <a14:m>
+                  <m:oMath xmlns:m="http://schemas.openxmlformats.org/officeDocument/2006/math">
+                    <m:r>
+                      <a:rPr lang="en-US" i="1" dirty="0" smtClean="0">
+                        <a:solidFill>
+                          <a:srgbClr val="FF0000"/>
+                        </a:solidFill>
+                        <a:latin typeface="Cambria Math" panose="02040503050406030204" pitchFamily="18" charset="0"/>
+                      </a:rPr>
+                      <m:t>𝑦</m:t>
+                    </m:r>
+                  </m:oMath>
+                </a14:m>
+                <a:r>
+                  <a:rPr lang="en-US" dirty="0">
+                    <a:solidFill>
+                      <a:srgbClr val="FF0000"/>
+                    </a:solidFill>
+                  </a:rPr>
+                  <a:t> is 0, the model-predicted probability </a:t>
+                </a:r>
+                <a14:m>
+                  <m:oMath xmlns:m="http://schemas.openxmlformats.org/officeDocument/2006/math">
+                    <m:r>
+                      <a:rPr lang="en-US" i="1" dirty="0" smtClean="0">
+                        <a:solidFill>
+                          <a:srgbClr val="FF0000"/>
+                        </a:solidFill>
+                        <a:latin typeface="Cambria Math" panose="02040503050406030204" pitchFamily="18" charset="0"/>
+                      </a:rPr>
+                      <m:t>𝑝</m:t>
+                    </m:r>
+                  </m:oMath>
+                </a14:m>
+                <a:r>
+                  <a:rPr lang="en-US" dirty="0">
+                    <a:solidFill>
+                      <a:srgbClr val="FF0000"/>
+                    </a:solidFill>
+                  </a:rPr>
+                  <a:t> must be close to 0, otherwise the loss (i.e., the penalty) is large</a:t>
+                </a:r>
+              </a:p>
+              <a:p>
+                <a:endParaRPr lang="en-US" dirty="0"/>
+              </a:p>
+              <a:p>
+                <a:endParaRPr lang="en-US" dirty="0"/>
+              </a:p>
+              <a:p>
+                <a:r>
+                  <a:rPr lang="en-US" dirty="0">
+                    <a:solidFill>
+                      <a:srgbClr val="0000FF"/>
+                    </a:solidFill>
+                  </a:rPr>
+                  <a:t>When the outcome </a:t>
+                </a:r>
+                <a14:m>
+                  <m:oMath xmlns:m="http://schemas.openxmlformats.org/officeDocument/2006/math">
+                    <m:r>
+                      <a:rPr lang="en-US" i="1" dirty="0" smtClean="0">
+                        <a:solidFill>
+                          <a:srgbClr val="0000FF"/>
+                        </a:solidFill>
+                        <a:latin typeface="Cambria Math" panose="02040503050406030204" pitchFamily="18" charset="0"/>
+                      </a:rPr>
+                      <m:t>𝑦</m:t>
+                    </m:r>
+                  </m:oMath>
+                </a14:m>
+                <a:r>
+                  <a:rPr lang="en-US" dirty="0">
+                    <a:solidFill>
+                      <a:srgbClr val="0000FF"/>
+                    </a:solidFill>
+                  </a:rPr>
+                  <a:t> is 1, the model-predicted probability </a:t>
+                </a:r>
+                <a14:m>
+                  <m:oMath xmlns:m="http://schemas.openxmlformats.org/officeDocument/2006/math">
+                    <m:r>
+                      <a:rPr lang="en-US" i="1" dirty="0" smtClean="0">
+                        <a:solidFill>
+                          <a:srgbClr val="0000FF"/>
+                        </a:solidFill>
+                        <a:latin typeface="Cambria Math" panose="02040503050406030204" pitchFamily="18" charset="0"/>
+                      </a:rPr>
+                      <m:t>𝑝</m:t>
+                    </m:r>
+                  </m:oMath>
+                </a14:m>
+                <a:r>
+                  <a:rPr lang="en-US" dirty="0">
+                    <a:solidFill>
+                      <a:srgbClr val="0000FF"/>
+                    </a:solidFill>
+                  </a:rPr>
+                  <a:t> must be close to 1, otherwise the loss (i.e., the penalty) is large</a:t>
+                </a:r>
+              </a:p>
+            </p:txBody>
+          </p:sp>
+        </mc:Choice>
+        <mc:Fallback>
+          <p:sp>
+            <p:nvSpPr>
+              <p:cNvPr id="5" name="TextBox 4">
+                <a:extLst>
+                  <a:ext uri="{FF2B5EF4-FFF2-40B4-BE49-F238E27FC236}">
+                    <a16:creationId xmlns:a16="http://schemas.microsoft.com/office/drawing/2014/main" id="{88907702-ADE7-2175-7274-E8B611B08604}"/>
+                  </a:ext>
+                </a:extLst>
+              </p:cNvPr>
+              <p:cNvSpPr txBox="1">
+                <a:spLocks noRot="1" noChangeAspect="1" noMove="1" noResize="1" noEditPoints="1" noAdjustHandles="1" noChangeArrowheads="1" noChangeShapeType="1" noTextEdit="1"/>
+              </p:cNvSpPr>
+              <p:nvPr/>
+            </p:nvSpPr>
+            <p:spPr>
+              <a:xfrm>
+                <a:off x="838200" y="2266451"/>
+                <a:ext cx="2879122" cy="3416320"/>
+              </a:xfrm>
+              <a:prstGeom prst="rect">
+                <a:avLst/>
+              </a:prstGeom>
+              <a:blipFill>
+                <a:blip r:embed="rId3"/>
+                <a:stretch>
+                  <a:fillRect l="-2203" t="-741" r="-1322" b="-1852"/>
+                </a:stretch>
+              </a:blipFill>
+            </p:spPr>
+            <p:txBody>
+              <a:bodyPr/>
+              <a:lstStyle/>
+              <a:p>
+                <a:r>
+                  <a:rPr lang="en-US">
+                    <a:noFill/>
+                  </a:rPr>
+                  <a:t> </a:t>
+                </a:r>
+              </a:p>
+            </p:txBody>
+          </p:sp>
+        </mc:Fallback>
+      </mc:AlternateContent>
+    </p:spTree>
+    <p:extLst>
+      <p:ext uri="{BB962C8B-B14F-4D97-AF65-F5344CB8AC3E}">
+        <p14:creationId xmlns:p14="http://schemas.microsoft.com/office/powerpoint/2010/main" val="406844385"/>
+      </p:ext>
+    </p:extLst>
+  </p:cSld>
+  <p:clrMapOvr>
+    <a:masterClrMapping/>
+  </p:clrMapOvr>
+</p:sld>
+</file>
+
+<file path=ppt/slides/slide7.xml><?xml version="1.0" encoding="utf-8"?>
+<p:sld xmlns:a="http://schemas.openxmlformats.org/drawingml/2006/main" xmlns:r="http://schemas.openxmlformats.org/officeDocument/2006/relationships" xmlns:p="http://schemas.openxmlformats.org/presentationml/2006/main">
+  <p:cSld>
+    <p:spTree>
+      <p:nvGrpSpPr>
+        <p:cNvPr id="1" name=""/>
+        <p:cNvGrpSpPr/>
+        <p:nvPr/>
+      </p:nvGrpSpPr>
+      <p:grpSpPr>
+        <a:xfrm>
+          <a:off x="0" y="0"/>
+          <a:ext cx="0" cy="0"/>
+          <a:chOff x="0" y="0"/>
+          <a:chExt cx="0" cy="0"/>
+        </a:xfrm>
+      </p:grpSpPr>
+      <p:sp>
+        <p:nvSpPr>
+          <p:cNvPr id="2" name="Title 1">
+            <a:extLst>
+              <a:ext uri="{FF2B5EF4-FFF2-40B4-BE49-F238E27FC236}">
+                <a16:creationId xmlns:a16="http://schemas.microsoft.com/office/drawing/2014/main" id="{626DE1E5-E399-667C-525C-ED08C62EB92A}"/>
+              </a:ext>
+            </a:extLst>
+          </p:cNvPr>
+          <p:cNvSpPr>
+            <a:spLocks noGrp="1"/>
+          </p:cNvSpPr>
+          <p:nvPr>
+            <p:ph type="title"/>
+          </p:nvPr>
+        </p:nvSpPr>
+        <p:spPr/>
+        <p:txBody>
+          <a:bodyPr/>
+          <a:lstStyle/>
+          <a:p>
+            <a:r>
+              <a:rPr lang="en-US" dirty="0"/>
+              <a:t>A Simple Strategy for Optimizing Parameters</a:t>
+            </a:r>
+          </a:p>
+        </p:txBody>
+      </p:sp>
+      <p:sp>
+        <p:nvSpPr>
+          <p:cNvPr id="3" name="Content Placeholder 2">
+            <a:extLst>
+              <a:ext uri="{FF2B5EF4-FFF2-40B4-BE49-F238E27FC236}">
+                <a16:creationId xmlns:a16="http://schemas.microsoft.com/office/drawing/2014/main" id="{93061980-2DEC-52AD-5358-360BC15BD589}"/>
+              </a:ext>
+            </a:extLst>
+          </p:cNvPr>
+          <p:cNvSpPr>
+            <a:spLocks noGrp="1"/>
+          </p:cNvSpPr>
+          <p:nvPr>
+            <p:ph idx="1"/>
+          </p:nvPr>
+        </p:nvSpPr>
+        <p:spPr/>
+        <p:txBody>
+          <a:bodyPr>
+            <a:normAutofit fontScale="85000" lnSpcReduction="20000"/>
+          </a:bodyPr>
+          <a:lstStyle/>
+          <a:p>
+            <a:pPr marL="0" indent="0">
+              <a:buNone/>
+            </a:pPr>
+            <a:r>
+              <a:rPr lang="en-US" dirty="0"/>
+              <a:t>Here’s our game.</a:t>
+            </a:r>
+          </a:p>
+          <a:p>
+            <a:endParaRPr lang="en-US" dirty="0"/>
+          </a:p>
+          <a:p>
+            <a:pPr marL="514350" indent="-514350">
+              <a:spcAft>
+                <a:spcPts val="1200"/>
+              </a:spcAft>
+              <a:buFont typeface="+mj-lt"/>
+              <a:buAutoNum type="arabicPeriod"/>
+            </a:pPr>
+            <a:r>
+              <a:rPr lang="en-US" dirty="0"/>
+              <a:t>We want to reduce the loss as much as we can by adjusting our model’s parameters.</a:t>
+            </a:r>
+          </a:p>
+          <a:p>
+            <a:pPr marL="514350" indent="-514350">
+              <a:spcAft>
+                <a:spcPts val="1200"/>
+              </a:spcAft>
+              <a:buFont typeface="+mj-lt"/>
+              <a:buAutoNum type="arabicPeriod"/>
+            </a:pPr>
+            <a:r>
+              <a:rPr lang="en-US" dirty="0"/>
+              <a:t>We can move any parameter up or down from its current value.</a:t>
+            </a:r>
+          </a:p>
+          <a:p>
+            <a:pPr marL="514350" indent="-514350">
+              <a:spcAft>
+                <a:spcPts val="1200"/>
+              </a:spcAft>
+              <a:buFont typeface="+mj-lt"/>
+              <a:buAutoNum type="arabicPeriod"/>
+            </a:pPr>
+            <a:r>
+              <a:rPr lang="en-US" dirty="0"/>
+              <a:t>If the loss increases, </a:t>
+            </a:r>
+            <a:r>
+              <a:rPr lang="en-US" i="1" dirty="0"/>
+              <a:t>we’re going the wrong way</a:t>
+            </a:r>
+            <a:r>
+              <a:rPr lang="en-US" dirty="0"/>
+              <a:t>, and we should try moving that same parameter in the opposite direction.</a:t>
+            </a:r>
+          </a:p>
+          <a:p>
+            <a:pPr marL="514350" indent="-514350">
+              <a:spcAft>
+                <a:spcPts val="1200"/>
+              </a:spcAft>
+              <a:buFont typeface="+mj-lt"/>
+              <a:buAutoNum type="arabicPeriod"/>
+            </a:pPr>
+            <a:r>
+              <a:rPr lang="en-US" dirty="0"/>
+              <a:t>If the loss decreases, </a:t>
+            </a:r>
+            <a:r>
+              <a:rPr lang="en-US" i="1" dirty="0"/>
+              <a:t>we’re going the right way</a:t>
+            </a:r>
+            <a:r>
+              <a:rPr lang="en-US" dirty="0"/>
+              <a:t>, and we should keep moving that parameter in that same direction until the loss stops decreasing.</a:t>
+            </a:r>
+          </a:p>
+          <a:p>
+            <a:pPr marL="514350" indent="-514350">
+              <a:spcAft>
+                <a:spcPts val="1200"/>
+              </a:spcAft>
+              <a:buFont typeface="+mj-lt"/>
+              <a:buAutoNum type="arabicPeriod"/>
+            </a:pPr>
+            <a:r>
+              <a:rPr lang="en-US" dirty="0"/>
+              <a:t>We will keep trying this for all of the parameters until we can no longer decrease the loss; then we’re done.</a:t>
+            </a:r>
+          </a:p>
+        </p:txBody>
+      </p:sp>
+    </p:spTree>
+    <p:extLst>
+      <p:ext uri="{BB962C8B-B14F-4D97-AF65-F5344CB8AC3E}">
+        <p14:creationId xmlns:p14="http://schemas.microsoft.com/office/powerpoint/2010/main" val="1220692228"/>
+      </p:ext>
+    </p:extLst>
+  </p:cSld>
+  <p:clrMapOvr>
+    <a:masterClrMapping/>
+  </p:clrMapOvr>
+</p:sld>
+</file>
+
+<file path=ppt/slides/slide8.xml><?xml version="1.0" encoding="utf-8"?>
+<p:sld xmlns:a="http://schemas.openxmlformats.org/drawingml/2006/main" xmlns:r="http://schemas.openxmlformats.org/officeDocument/2006/relationships" xmlns:p="http://schemas.openxmlformats.org/presentationml/2006/main">
+  <p:cSld>
+    <p:spTree>
+      <p:nvGrpSpPr>
+        <p:cNvPr id="1" name=""/>
+        <p:cNvGrpSpPr/>
+        <p:nvPr/>
+      </p:nvGrpSpPr>
+      <p:grpSpPr>
+        <a:xfrm>
+          <a:off x="0" y="0"/>
+          <a:ext cx="0" cy="0"/>
+          <a:chOff x="0" y="0"/>
+          <a:chExt cx="0" cy="0"/>
+        </a:xfrm>
+      </p:grpSpPr>
+      <p:sp>
+        <p:nvSpPr>
+          <p:cNvPr id="2" name="Title 1">
+            <a:extLst>
+              <a:ext uri="{FF2B5EF4-FFF2-40B4-BE49-F238E27FC236}">
+                <a16:creationId xmlns:a16="http://schemas.microsoft.com/office/drawing/2014/main" id="{37589BB7-720B-E641-9EA4-E10DD522EEF8}"/>
+              </a:ext>
+            </a:extLst>
+          </p:cNvPr>
+          <p:cNvSpPr>
+            <a:spLocks noGrp="1"/>
+          </p:cNvSpPr>
+          <p:nvPr>
+            <p:ph type="title"/>
+          </p:nvPr>
+        </p:nvSpPr>
+        <p:spPr/>
+        <p:txBody>
+          <a:bodyPr>
+            <a:noAutofit/>
+          </a:bodyPr>
+          <a:lstStyle/>
+          <a:p>
+            <a:r>
+              <a:rPr lang="en-US" sz="4800" dirty="0"/>
+              <a:t>Let’s try this strategy on a small dataset.</a:t>
+            </a:r>
+          </a:p>
+        </p:txBody>
+      </p:sp>
+      <p:pic>
+        <p:nvPicPr>
+          <p:cNvPr id="4" name="Picture 3">
+            <a:extLst>
+              <a:ext uri="{FF2B5EF4-FFF2-40B4-BE49-F238E27FC236}">
+                <a16:creationId xmlns:a16="http://schemas.microsoft.com/office/drawing/2014/main" id="{AB383F67-9FD1-394B-A2D3-83F03790909F}"/>
+              </a:ext>
+            </a:extLst>
+          </p:cNvPr>
+          <p:cNvPicPr>
+            <a:picLocks noChangeAspect="1"/>
+          </p:cNvPicPr>
+          <p:nvPr/>
+        </p:nvPicPr>
+        <p:blipFill>
+          <a:blip r:embed="rId3" cstate="screen">
+            <a:extLst>
+              <a:ext uri="{28A0092B-C50C-407E-A947-70E740481C1C}">
+                <a14:useLocalDpi xmlns:a14="http://schemas.microsoft.com/office/drawing/2010/main"/>
+              </a:ext>
+            </a:extLst>
+          </a:blip>
+          <a:stretch>
+            <a:fillRect/>
+          </a:stretch>
+        </p:blipFill>
+        <p:spPr>
+          <a:xfrm>
+            <a:off x="1374371" y="2130913"/>
+            <a:ext cx="9443259" cy="4200836"/>
+          </a:xfrm>
+          <a:prstGeom prst="rect">
+            <a:avLst/>
+          </a:prstGeom>
+          <a:ln>
+            <a:solidFill>
+              <a:schemeClr val="tx1"/>
+            </a:solidFill>
+          </a:ln>
+        </p:spPr>
+      </p:pic>
+    </p:spTree>
+    <p:extLst>
+      <p:ext uri="{BB962C8B-B14F-4D97-AF65-F5344CB8AC3E}">
+        <p14:creationId xmlns:p14="http://schemas.microsoft.com/office/powerpoint/2010/main" val="3520809134"/>
+      </p:ext>
+    </p:extLst>
+  </p:cSld>
+  <p:clrMapOvr>
+    <a:masterClrMapping/>
+  </p:clrMapOvr>
+  <mc:AlternateContent xmlns:mc="http://schemas.openxmlformats.org/markup-compatibility/2006" xmlns:p14="http://schemas.microsoft.com/office/powerpoint/2010/main">
+    <mc:Choice Requires="p14">
+      <p:transition spd="slow" p14:dur="2000" advTm="33200"/>
+    </mc:Choice>
+    <mc:Fallback xmlns="">
+      <p:transition spd="slow" advTm="33200"/>
+    </mc:Fallback>
+  </mc:AlternateContent>
+</p:sld>
+</file>
+
+<file path=ppt/slides/slide9.xml><?xml version="1.0" encoding="utf-8"?>
+<p:sld xmlns:a="http://schemas.openxmlformats.org/drawingml/2006/main" xmlns:r="http://schemas.openxmlformats.org/officeDocument/2006/relationships" xmlns:p="http://schemas.openxmlformats.org/presentationml/2006/main">
+  <p:cSld>
+    <p:spTree>
+      <p:nvGrpSpPr>
+        <p:cNvPr id="1" name=""/>
+        <p:cNvGrpSpPr/>
+        <p:nvPr/>
+      </p:nvGrpSpPr>
+      <p:grpSpPr>
+        <a:xfrm>
+          <a:off x="0" y="0"/>
+          <a:ext cx="0" cy="0"/>
+          <a:chOff x="0" y="0"/>
+          <a:chExt cx="0" cy="0"/>
+        </a:xfrm>
+      </p:grpSpPr>
+      <p:sp>
+        <p:nvSpPr>
+          <p:cNvPr id="2" name="Title 1">
+            <a:extLst>
+              <a:ext uri="{FF2B5EF4-FFF2-40B4-BE49-F238E27FC236}">
+                <a16:creationId xmlns:a16="http://schemas.microsoft.com/office/drawing/2014/main" id="{626DE1E5-E399-667C-525C-ED08C62EB92A}"/>
+              </a:ext>
+            </a:extLst>
+          </p:cNvPr>
+          <p:cNvSpPr>
+            <a:spLocks noGrp="1"/>
+          </p:cNvSpPr>
+          <p:nvPr>
+            <p:ph type="title"/>
+          </p:nvPr>
+        </p:nvSpPr>
+        <p:spPr/>
+        <p:txBody>
+          <a:bodyPr/>
+          <a:lstStyle/>
+          <a:p>
+            <a:r>
+              <a:rPr lang="en-US" dirty="0"/>
+              <a:t>Parameter Optimization by Gradient Descent</a:t>
+            </a:r>
+          </a:p>
+        </p:txBody>
+      </p:sp>
+      <p:sp>
+        <p:nvSpPr>
+          <p:cNvPr id="3" name="Content Placeholder 2">
+            <a:extLst>
+              <a:ext uri="{FF2B5EF4-FFF2-40B4-BE49-F238E27FC236}">
+                <a16:creationId xmlns:a16="http://schemas.microsoft.com/office/drawing/2014/main" id="{93061980-2DEC-52AD-5358-360BC15BD589}"/>
+              </a:ext>
+            </a:extLst>
+          </p:cNvPr>
+          <p:cNvSpPr>
+            <a:spLocks noGrp="1"/>
+          </p:cNvSpPr>
+          <p:nvPr>
+            <p:ph idx="1"/>
+          </p:nvPr>
+        </p:nvSpPr>
+        <p:spPr>
+          <a:xfrm>
+            <a:off x="838200" y="1825625"/>
+            <a:ext cx="4205831" cy="4351338"/>
+          </a:xfrm>
+        </p:spPr>
+        <p:txBody>
+          <a:bodyPr>
+            <a:normAutofit lnSpcReduction="10000"/>
+          </a:bodyPr>
+          <a:lstStyle/>
+          <a:p>
+            <a:pPr>
+              <a:spcAft>
+                <a:spcPts val="1200"/>
+              </a:spcAft>
+            </a:pPr>
+            <a:r>
+              <a:rPr lang="en-US" sz="2400" dirty="0"/>
+              <a:t>We are trying to get to the great valley (minimum loss).</a:t>
+            </a:r>
+          </a:p>
+          <a:p>
+            <a:pPr>
+              <a:spcAft>
+                <a:spcPts val="1200"/>
+              </a:spcAft>
+            </a:pPr>
+            <a:r>
+              <a:rPr lang="en-US" sz="2400" dirty="0"/>
+              <a:t>We do not know where it is (cannot test all parameter values).</a:t>
+            </a:r>
+          </a:p>
+          <a:p>
+            <a:pPr>
+              <a:spcAft>
+                <a:spcPts val="1200"/>
+              </a:spcAft>
+            </a:pPr>
+            <a:r>
+              <a:rPr lang="en-US" sz="2400" dirty="0"/>
+              <a:t>We cannot see clearly in any direction (complex, high-dimensional function).</a:t>
+            </a:r>
+          </a:p>
+          <a:p>
+            <a:pPr>
+              <a:spcAft>
+                <a:spcPts val="1200"/>
+              </a:spcAft>
+            </a:pPr>
+            <a:r>
+              <a:rPr lang="en-US" sz="2400" dirty="0"/>
+              <a:t>So, we test the ground around us, and walk downhill (use calculus / calculate gradient).</a:t>
+            </a:r>
+          </a:p>
+        </p:txBody>
+      </p:sp>
+      <p:pic>
+        <p:nvPicPr>
+          <p:cNvPr id="4" name="Picture 2" descr="Image result for clip confused man">
+            <a:extLst>
+              <a:ext uri="{FF2B5EF4-FFF2-40B4-BE49-F238E27FC236}">
+                <a16:creationId xmlns:a16="http://schemas.microsoft.com/office/drawing/2014/main" id="{C5CD9B2B-87C2-C103-89AA-AEEA8D7D0C82}"/>
+              </a:ext>
+            </a:extLst>
+          </p:cNvPr>
+          <p:cNvPicPr>
+            <a:picLocks noChangeAspect="1" noChangeArrowheads="1"/>
+          </p:cNvPicPr>
+          <p:nvPr/>
+        </p:nvPicPr>
+        <p:blipFill>
+          <a:blip r:embed="rId2" cstate="screen">
+            <a:extLst>
+              <a:ext uri="{28A0092B-C50C-407E-A947-70E740481C1C}">
+                <a14:useLocalDpi xmlns:a14="http://schemas.microsoft.com/office/drawing/2010/main"/>
+              </a:ext>
+            </a:extLst>
+          </a:blip>
+          <a:srcRect/>
+          <a:stretch>
+            <a:fillRect/>
+          </a:stretch>
+        </p:blipFill>
+        <p:spPr bwMode="auto">
+          <a:xfrm>
+            <a:off x="8164104" y="2184407"/>
+            <a:ext cx="404039" cy="326796"/>
+          </a:xfrm>
+          <a:prstGeom prst="rect">
+            <a:avLst/>
+          </a:prstGeom>
+          <a:noFill/>
+          <a:extLst>
+            <a:ext uri="{909E8E84-426E-40DD-AFC4-6F175D3DCCD1}">
+              <a14:hiddenFill xmlns:a14="http://schemas.microsoft.com/office/drawing/2010/main">
+                <a:solidFill>
+                  <a:srgbClr val="FFFFFF"/>
+                </a:solidFill>
+              </a14:hiddenFill>
+            </a:ext>
+          </a:extLst>
+        </p:spPr>
+      </p:pic>
+      <p:pic>
+        <p:nvPicPr>
+          <p:cNvPr id="5" name="Picture 4" descr="Image result for clip art mountain">
+            <a:extLst>
+              <a:ext uri="{FF2B5EF4-FFF2-40B4-BE49-F238E27FC236}">
+                <a16:creationId xmlns:a16="http://schemas.microsoft.com/office/drawing/2014/main" id="{072A4374-FE4D-7F93-2E5F-ED934DDA3BC8}"/>
+              </a:ext>
+            </a:extLst>
+          </p:cNvPr>
+          <p:cNvPicPr>
+            <a:picLocks noChangeAspect="1" noChangeArrowheads="1"/>
+          </p:cNvPicPr>
+          <p:nvPr/>
+        </p:nvPicPr>
+        <p:blipFill>
+          <a:blip r:embed="rId3" cstate="screen">
+            <a:extLst>
+              <a:ext uri="{28A0092B-C50C-407E-A947-70E740481C1C}">
+                <a14:useLocalDpi xmlns:a14="http://schemas.microsoft.com/office/drawing/2010/main"/>
+              </a:ext>
+            </a:extLst>
+          </a:blip>
+          <a:srcRect/>
+          <a:stretch>
+            <a:fillRect/>
+          </a:stretch>
+        </p:blipFill>
+        <p:spPr bwMode="auto">
+          <a:xfrm>
+            <a:off x="5617085" y="1909218"/>
+            <a:ext cx="5950244" cy="2518937"/>
+          </a:xfrm>
+          <a:prstGeom prst="rect">
+            <a:avLst/>
+          </a:prstGeom>
+          <a:noFill/>
+          <a:extLst>
+            <a:ext uri="{909E8E84-426E-40DD-AFC4-6F175D3DCCD1}">
+              <a14:hiddenFill xmlns:a14="http://schemas.microsoft.com/office/drawing/2010/main">
+                <a:solidFill>
+                  <a:srgbClr val="FFFFFF"/>
+                </a:solidFill>
+              </a14:hiddenFill>
+            </a:ext>
+          </a:extLst>
+        </p:spPr>
+      </p:pic>
+      <p:pic>
+        <p:nvPicPr>
+          <p:cNvPr id="9" name="Picture 8" descr="Image result for clip art mountain">
+            <a:extLst>
+              <a:ext uri="{FF2B5EF4-FFF2-40B4-BE49-F238E27FC236}">
+                <a16:creationId xmlns:a16="http://schemas.microsoft.com/office/drawing/2014/main" id="{D798786C-DB85-20C0-71CA-6300C0184548}"/>
+              </a:ext>
+            </a:extLst>
+          </p:cNvPr>
+          <p:cNvPicPr>
+            <a:picLocks noChangeAspect="1" noChangeArrowheads="1"/>
+          </p:cNvPicPr>
+          <p:nvPr/>
+        </p:nvPicPr>
+        <p:blipFill>
+          <a:blip r:embed="rId3" cstate="screen">
+            <a:extLst>
+              <a:ext uri="{28A0092B-C50C-407E-A947-70E740481C1C}">
+                <a14:useLocalDpi xmlns:a14="http://schemas.microsoft.com/office/drawing/2010/main"/>
+              </a:ext>
+            </a:extLst>
+          </a:blip>
+          <a:srcRect/>
+          <a:stretch>
+            <a:fillRect/>
+          </a:stretch>
+        </p:blipFill>
+        <p:spPr bwMode="auto">
+          <a:xfrm>
+            <a:off x="5799202" y="3932674"/>
+            <a:ext cx="5950244" cy="2518937"/>
+          </a:xfrm>
+          <a:prstGeom prst="rect">
+            <a:avLst/>
+          </a:prstGeom>
+          <a:noFill/>
+          <a:extLst>
+            <a:ext uri="{909E8E84-426E-40DD-AFC4-6F175D3DCCD1}">
+              <a14:hiddenFill xmlns:a14="http://schemas.microsoft.com/office/drawing/2010/main">
+                <a:solidFill>
+                  <a:srgbClr val="FFFFFF"/>
+                </a:solidFill>
+              </a14:hiddenFill>
+            </a:ext>
+          </a:extLst>
+        </p:spPr>
+      </p:pic>
+      <p:pic>
+        <p:nvPicPr>
+          <p:cNvPr id="6" name="Picture 5">
+            <a:extLst>
+              <a:ext uri="{FF2B5EF4-FFF2-40B4-BE49-F238E27FC236}">
+                <a16:creationId xmlns:a16="http://schemas.microsoft.com/office/drawing/2014/main" id="{BCFDAF4F-356E-E3E3-9B36-926B3218D315}"/>
+              </a:ext>
+            </a:extLst>
+          </p:cNvPr>
+          <p:cNvPicPr>
+            <a:picLocks noChangeAspect="1"/>
+          </p:cNvPicPr>
+          <p:nvPr/>
+        </p:nvPicPr>
+        <p:blipFill>
+          <a:blip r:embed="rId4" cstate="screen">
+            <a:extLst>
+              <a:ext uri="{28A0092B-C50C-407E-A947-70E740481C1C}">
+                <a14:useLocalDpi xmlns:a14="http://schemas.microsoft.com/office/drawing/2010/main"/>
+              </a:ext>
+            </a:extLst>
+          </a:blip>
+          <a:stretch>
+            <a:fillRect/>
+          </a:stretch>
+        </p:blipFill>
+        <p:spPr>
+          <a:xfrm>
+            <a:off x="5993479" y="2498322"/>
+            <a:ext cx="2437752" cy="2307739"/>
+          </a:xfrm>
+          <a:prstGeom prst="rect">
+            <a:avLst/>
+          </a:prstGeom>
+        </p:spPr>
+      </p:pic>
+      <p:pic>
+        <p:nvPicPr>
+          <p:cNvPr id="7" name="Picture 6">
+            <a:extLst>
+              <a:ext uri="{FF2B5EF4-FFF2-40B4-BE49-F238E27FC236}">
+                <a16:creationId xmlns:a16="http://schemas.microsoft.com/office/drawing/2014/main" id="{471B4DCB-467C-5F82-BDB0-5AAF567ADA7D}"/>
+              </a:ext>
+            </a:extLst>
+          </p:cNvPr>
+          <p:cNvPicPr>
+            <a:picLocks noChangeAspect="1"/>
+          </p:cNvPicPr>
+          <p:nvPr/>
+        </p:nvPicPr>
+        <p:blipFill>
+          <a:blip r:embed="rId4" cstate="screen">
+            <a:extLst>
+              <a:ext uri="{28A0092B-C50C-407E-A947-70E740481C1C}">
+                <a14:useLocalDpi xmlns:a14="http://schemas.microsoft.com/office/drawing/2010/main"/>
+              </a:ext>
+            </a:extLst>
+          </a:blip>
+          <a:stretch>
+            <a:fillRect/>
+          </a:stretch>
+        </p:blipFill>
+        <p:spPr>
+          <a:xfrm>
+            <a:off x="7956193" y="2673206"/>
+            <a:ext cx="2437752" cy="2307739"/>
+          </a:xfrm>
+          <a:prstGeom prst="rect">
+            <a:avLst/>
+          </a:prstGeom>
+        </p:spPr>
+      </p:pic>
+      <p:pic>
+        <p:nvPicPr>
+          <p:cNvPr id="8" name="Picture 7">
+            <a:extLst>
+              <a:ext uri="{FF2B5EF4-FFF2-40B4-BE49-F238E27FC236}">
+                <a16:creationId xmlns:a16="http://schemas.microsoft.com/office/drawing/2014/main" id="{8137B42D-5559-90CD-835E-A2BADA4F6FF9}"/>
+              </a:ext>
+            </a:extLst>
+          </p:cNvPr>
+          <p:cNvPicPr>
+            <a:picLocks noChangeAspect="1"/>
+          </p:cNvPicPr>
+          <p:nvPr/>
+        </p:nvPicPr>
+        <p:blipFill>
+          <a:blip r:embed="rId4" cstate="screen">
+            <a:extLst>
+              <a:ext uri="{28A0092B-C50C-407E-A947-70E740481C1C}">
+                <a14:useLocalDpi xmlns:a14="http://schemas.microsoft.com/office/drawing/2010/main"/>
+              </a:ext>
+            </a:extLst>
+          </a:blip>
+          <a:stretch>
+            <a:fillRect/>
+          </a:stretch>
+        </p:blipFill>
+        <p:spPr>
+          <a:xfrm>
+            <a:off x="9252763" y="1825625"/>
+            <a:ext cx="2437752" cy="2307739"/>
+          </a:xfrm>
+          <a:prstGeom prst="rect">
+            <a:avLst/>
+          </a:prstGeom>
+        </p:spPr>
+      </p:pic>
+      <p:pic>
+        <p:nvPicPr>
+          <p:cNvPr id="12" name="Picture 11">
+            <a:extLst>
+              <a:ext uri="{FF2B5EF4-FFF2-40B4-BE49-F238E27FC236}">
+                <a16:creationId xmlns:a16="http://schemas.microsoft.com/office/drawing/2014/main" id="{16F1B570-63D9-04D3-690D-0878598B9C6A}"/>
+              </a:ext>
+            </a:extLst>
+          </p:cNvPr>
+          <p:cNvPicPr>
+            <a:picLocks noChangeAspect="1"/>
+          </p:cNvPicPr>
+          <p:nvPr/>
+        </p:nvPicPr>
+        <p:blipFill>
+          <a:blip r:embed="rId4" cstate="screen">
+            <a:extLst>
+              <a:ext uri="{28A0092B-C50C-407E-A947-70E740481C1C}">
+                <a14:useLocalDpi xmlns:a14="http://schemas.microsoft.com/office/drawing/2010/main"/>
+              </a:ext>
+            </a:extLst>
+          </a:blip>
+          <a:stretch>
+            <a:fillRect/>
+          </a:stretch>
+        </p:blipFill>
+        <p:spPr>
+          <a:xfrm>
+            <a:off x="4872890" y="4004161"/>
+            <a:ext cx="2437752" cy="2307739"/>
+          </a:xfrm>
+          <a:prstGeom prst="rect">
+            <a:avLst/>
+          </a:prstGeom>
+        </p:spPr>
+      </p:pic>
+      <p:pic>
+        <p:nvPicPr>
+          <p:cNvPr id="11" name="Picture 10">
+            <a:extLst>
+              <a:ext uri="{FF2B5EF4-FFF2-40B4-BE49-F238E27FC236}">
+                <a16:creationId xmlns:a16="http://schemas.microsoft.com/office/drawing/2014/main" id="{D04FD68F-48B7-B44A-FCA9-81530FDC815B}"/>
+              </a:ext>
+            </a:extLst>
+          </p:cNvPr>
+          <p:cNvPicPr>
+            <a:picLocks noChangeAspect="1"/>
+          </p:cNvPicPr>
+          <p:nvPr/>
+        </p:nvPicPr>
+        <p:blipFill>
+          <a:blip r:embed="rId4" cstate="screen">
+            <a:extLst>
+              <a:ext uri="{28A0092B-C50C-407E-A947-70E740481C1C}">
+                <a14:useLocalDpi xmlns:a14="http://schemas.microsoft.com/office/drawing/2010/main"/>
+              </a:ext>
+            </a:extLst>
+          </a:blip>
+          <a:stretch>
+            <a:fillRect/>
+          </a:stretch>
+        </p:blipFill>
+        <p:spPr>
+          <a:xfrm>
+            <a:off x="6837147" y="4009619"/>
+            <a:ext cx="2437752" cy="2307739"/>
+          </a:xfrm>
+          <a:prstGeom prst="rect">
+            <a:avLst/>
+          </a:prstGeom>
+        </p:spPr>
+      </p:pic>
+      <p:pic>
+        <p:nvPicPr>
+          <p:cNvPr id="10" name="Picture 9">
+            <a:extLst>
+              <a:ext uri="{FF2B5EF4-FFF2-40B4-BE49-F238E27FC236}">
+                <a16:creationId xmlns:a16="http://schemas.microsoft.com/office/drawing/2014/main" id="{889F383E-77A5-BA46-FB7B-BADCA408174F}"/>
+              </a:ext>
+            </a:extLst>
+          </p:cNvPr>
+          <p:cNvPicPr>
+            <a:picLocks noChangeAspect="1"/>
+          </p:cNvPicPr>
+          <p:nvPr/>
+        </p:nvPicPr>
+        <p:blipFill>
+          <a:blip r:embed="rId4" cstate="screen">
+            <a:extLst>
+              <a:ext uri="{28A0092B-C50C-407E-A947-70E740481C1C}">
+                <a14:useLocalDpi xmlns:a14="http://schemas.microsoft.com/office/drawing/2010/main"/>
+              </a:ext>
+            </a:extLst>
+          </a:blip>
+          <a:stretch>
+            <a:fillRect/>
+          </a:stretch>
+        </p:blipFill>
+        <p:spPr>
+          <a:xfrm>
+            <a:off x="10056887" y="3175639"/>
+            <a:ext cx="2437752" cy="2307739"/>
+          </a:xfrm>
+          <a:prstGeom prst="rect">
+            <a:avLst/>
+          </a:prstGeom>
+        </p:spPr>
+      </p:pic>
+    </p:spTree>
+    <p:extLst>
+      <p:ext uri="{BB962C8B-B14F-4D97-AF65-F5344CB8AC3E}">
+        <p14:creationId xmlns:p14="http://schemas.microsoft.com/office/powerpoint/2010/main" val="2399675542"/>
       </p:ext>
     </p:extLst>
   </p:cSld>
@@ -4034,4 +7429,299 @@
     </a:ext>
   </a:extLst>
 </a:theme>
+</file>
+
+<file path=ppt/theme/theme2.xml><?xml version="1.0" encoding="utf-8"?>
+<a:theme xmlns:a="http://schemas.openxmlformats.org/drawingml/2006/main" name="Office Theme">
+  <a:themeElements>
+    <a:clrScheme name="Office">
+      <a:dk1>
+        <a:sysClr val="windowText" lastClr="000000"/>
+      </a:dk1>
+      <a:lt1>
+        <a:sysClr val="window" lastClr="FFFFFF"/>
+      </a:lt1>
+      <a:dk2>
+        <a:srgbClr val="44546A"/>
+      </a:dk2>
+      <a:lt2>
+        <a:srgbClr val="E7E6E6"/>
+      </a:lt2>
+      <a:accent1>
+        <a:srgbClr val="4472C4"/>
+      </a:accent1>
+      <a:accent2>
+        <a:srgbClr val="ED7D31"/>
+      </a:accent2>
+      <a:accent3>
+        <a:srgbClr val="A5A5A5"/>
+      </a:accent3>
+      <a:accent4>
+        <a:srgbClr val="FFC000"/>
+      </a:accent4>
+      <a:accent5>
+        <a:srgbClr val="5B9BD5"/>
+      </a:accent5>
+      <a:accent6>
+        <a:srgbClr val="70AD47"/>
+      </a:accent6>
+      <a:hlink>
+        <a:srgbClr val="0563C1"/>
+      </a:hlink>
+      <a:folHlink>
+        <a:srgbClr val="954F72"/>
+      </a:folHlink>
+    </a:clrScheme>
+    <a:fontScheme name="Office">
+      <a:majorFont>
+        <a:latin typeface="Calibri Light" panose="020F0302020204030204"/>
+        <a:ea typeface=""/>
+        <a:cs typeface=""/>
+        <a:font script="Jpan" typeface="游ゴシック Light"/>
+        <a:font script="Hang" typeface="맑은 고딕"/>
+        <a:font script="Hans" typeface="等线 Light"/>
+        <a:font script="Hant" typeface="新細明體"/>
+        <a:font script="Arab" typeface="Times New Roman"/>
+        <a:font script="Hebr" typeface="Times New Roman"/>
+        <a:font script="Thai" typeface="Angsana New"/>
+        <a:font script="Ethi" typeface="Nyala"/>
+        <a:font script="Beng" typeface="Vrinda"/>
+        <a:font script="Gujr" typeface="Shruti"/>
+        <a:font script="Khmr" typeface="MoolBoran"/>
+        <a:font script="Knda" typeface="Tunga"/>
+        <a:font script="Guru" typeface="Raavi"/>
+        <a:font script="Cans" typeface="Euphemia"/>
+        <a:font script="Cher" typeface="Plantagenet Cherokee"/>
+        <a:font script="Yiii" typeface="Microsoft Yi Baiti"/>
+        <a:font script="Tibt" typeface="Microsoft Himalaya"/>
+        <a:font script="Thaa" typeface="MV Boli"/>
+        <a:font script="Deva" typeface="Mangal"/>
+        <a:font script="Telu" typeface="Gautami"/>
+        <a:font script="Taml" typeface="Latha"/>
+        <a:font script="Syrc" typeface="Estrangelo Edessa"/>
+        <a:font script="Orya" typeface="Kalinga"/>
+        <a:font script="Mlym" typeface="Kartika"/>
+        <a:font script="Laoo" typeface="DokChampa"/>
+        <a:font script="Sinh" typeface="Iskoola Pota"/>
+        <a:font script="Mong" typeface="Mongolian Baiti"/>
+        <a:font script="Viet" typeface="Times New Roman"/>
+        <a:font script="Uigh" typeface="Microsoft Uighur"/>
+        <a:font script="Geor" typeface="Sylfaen"/>
+        <a:font script="Armn" typeface="Arial"/>
+        <a:font script="Bugi" typeface="Leelawadee UI"/>
+        <a:font script="Bopo" typeface="Microsoft JhengHei"/>
+        <a:font script="Java" typeface="Javanese Text"/>
+        <a:font script="Lisu" typeface="Segoe UI"/>
+        <a:font script="Mymr" typeface="Myanmar Text"/>
+        <a:font script="Nkoo" typeface="Ebrima"/>
+        <a:font script="Olck" typeface="Nirmala UI"/>
+        <a:font script="Osma" typeface="Ebrima"/>
+        <a:font script="Phag" typeface="Phagspa"/>
+        <a:font script="Syrn" typeface="Estrangelo Edessa"/>
+        <a:font script="Syrj" typeface="Estrangelo Edessa"/>
+        <a:font script="Syre" typeface="Estrangelo Edessa"/>
+        <a:font script="Sora" typeface="Nirmala UI"/>
+        <a:font script="Tale" typeface="Microsoft Tai Le"/>
+        <a:font script="Talu" typeface="Microsoft New Tai Lue"/>
+        <a:font script="Tfng" typeface="Ebrima"/>
+      </a:majorFont>
+      <a:minorFont>
+        <a:latin typeface="Calibri" panose="020F0502020204030204"/>
+        <a:ea typeface=""/>
+        <a:cs typeface=""/>
+        <a:font script="Jpan" typeface="游ゴシック"/>
+        <a:font script="Hang" typeface="맑은 고딕"/>
+        <a:font script="Hans" typeface="等线"/>
+        <a:font script="Hant" typeface="新細明體"/>
+        <a:font script="Arab" typeface="Arial"/>
+        <a:font script="Hebr" typeface="Arial"/>
+        <a:font script="Thai" typeface="Cordia New"/>
+        <a:font script="Ethi" typeface="Nyala"/>
+        <a:font script="Beng" typeface="Vrinda"/>
+        <a:font script="Gujr" typeface="Shruti"/>
+        <a:font script="Khmr" typeface="DaunPenh"/>
+        <a:font script="Knda" typeface="Tunga"/>
+        <a:font script="Guru" typeface="Raavi"/>
+        <a:font script="Cans" typeface="Euphemia"/>
+        <a:font script="Cher" typeface="Plantagenet Cherokee"/>
+        <a:font script="Yiii" typeface="Microsoft Yi Baiti"/>
+        <a:font script="Tibt" typeface="Microsoft Himalaya"/>
+        <a:font script="Thaa" typeface="MV Boli"/>
+        <a:font script="Deva" typeface="Mangal"/>
+        <a:font script="Telu" typeface="Gautami"/>
+        <a:font script="Taml" typeface="Latha"/>
+        <a:font script="Syrc" typeface="Estrangelo Edessa"/>
+        <a:font script="Orya" typeface="Kalinga"/>
+        <a:font script="Mlym" typeface="Kartika"/>
+        <a:font script="Laoo" typeface="DokChampa"/>
+        <a:font script="Sinh" typeface="Iskoola Pota"/>
+        <a:font script="Mong" typeface="Mongolian Baiti"/>
+        <a:font script="Viet" typeface="Arial"/>
+        <a:font script="Uigh" typeface="Microsoft Uighur"/>
+        <a:font script="Geor" typeface="Sylfaen"/>
+        <a:font script="Armn" typeface="Arial"/>
+        <a:font script="Bugi" typeface="Leelawadee UI"/>
+        <a:font script="Bopo" typeface="Microsoft JhengHei"/>
+        <a:font script="Java" typeface="Javanese Text"/>
+        <a:font script="Lisu" typeface="Segoe UI"/>
+        <a:font script="Mymr" typeface="Myanmar Text"/>
+        <a:font script="Nkoo" typeface="Ebrima"/>
+        <a:font script="Olck" typeface="Nirmala UI"/>
+        <a:font script="Osma" typeface="Ebrima"/>
+        <a:font script="Phag" typeface="Phagspa"/>
+        <a:font script="Syrn" typeface="Estrangelo Edessa"/>
+        <a:font script="Syrj" typeface="Estrangelo Edessa"/>
+        <a:font script="Syre" typeface="Estrangelo Edessa"/>
+        <a:font script="Sora" typeface="Nirmala UI"/>
+        <a:font script="Tale" typeface="Microsoft Tai Le"/>
+        <a:font script="Talu" typeface="Microsoft New Tai Lue"/>
+        <a:font script="Tfng" typeface="Ebrima"/>
+      </a:minorFont>
+    </a:fontScheme>
+    <a:fmtScheme name="Office">
+      <a:fillStyleLst>
+        <a:solidFill>
+          <a:schemeClr val="phClr"/>
+        </a:solidFill>
+        <a:gradFill rotWithShape="1">
+          <a:gsLst>
+            <a:gs pos="0">
+              <a:schemeClr val="phClr">
+                <a:lumMod val="110000"/>
+                <a:satMod val="105000"/>
+                <a:tint val="67000"/>
+              </a:schemeClr>
+            </a:gs>
+            <a:gs pos="50000">
+              <a:schemeClr val="phClr">
+                <a:lumMod val="105000"/>
+                <a:satMod val="103000"/>
+                <a:tint val="73000"/>
+              </a:schemeClr>
+            </a:gs>
+            <a:gs pos="100000">
+              <a:schemeClr val="phClr">
+                <a:lumMod val="105000"/>
+                <a:satMod val="109000"/>
+                <a:tint val="81000"/>
+              </a:schemeClr>
+            </a:gs>
+          </a:gsLst>
+          <a:lin ang="5400000" scaled="0"/>
+        </a:gradFill>
+        <a:gradFill rotWithShape="1">
+          <a:gsLst>
+            <a:gs pos="0">
+              <a:schemeClr val="phClr">
+                <a:satMod val="103000"/>
+                <a:lumMod val="102000"/>
+                <a:tint val="94000"/>
+              </a:schemeClr>
+            </a:gs>
+            <a:gs pos="50000">
+              <a:schemeClr val="phClr">
+                <a:satMod val="110000"/>
+                <a:lumMod val="100000"/>
+                <a:shade val="100000"/>
+              </a:schemeClr>
+            </a:gs>
+            <a:gs pos="100000">
+              <a:schemeClr val="phClr">
+                <a:lumMod val="99000"/>
+                <a:satMod val="120000"/>
+                <a:shade val="78000"/>
+              </a:schemeClr>
+            </a:gs>
+          </a:gsLst>
+          <a:lin ang="5400000" scaled="0"/>
+        </a:gradFill>
+      </a:fillStyleLst>
+      <a:lnStyleLst>
+        <a:ln w="6350" cap="flat" cmpd="sng" algn="ctr">
+          <a:solidFill>
+            <a:schemeClr val="phClr"/>
+          </a:solidFill>
+          <a:prstDash val="solid"/>
+          <a:miter lim="800000"/>
+        </a:ln>
+        <a:ln w="12700" cap="flat" cmpd="sng" algn="ctr">
+          <a:solidFill>
+            <a:schemeClr val="phClr"/>
+          </a:solidFill>
+          <a:prstDash val="solid"/>
+          <a:miter lim="800000"/>
+        </a:ln>
+        <a:ln w="19050" cap="flat" cmpd="sng" algn="ctr">
+          <a:solidFill>
+            <a:schemeClr val="phClr"/>
+          </a:solidFill>
+          <a:prstDash val="solid"/>
+          <a:miter lim="800000"/>
+        </a:ln>
+      </a:lnStyleLst>
+      <a:effectStyleLst>
+        <a:effectStyle>
+          <a:effectLst/>
+        </a:effectStyle>
+        <a:effectStyle>
+          <a:effectLst/>
+        </a:effectStyle>
+        <a:effectStyle>
+          <a:effectLst>
+            <a:outerShdw blurRad="57150" dist="19050" dir="5400000" algn="ctr" rotWithShape="0">
+              <a:srgbClr val="000000">
+                <a:alpha val="63000"/>
+              </a:srgbClr>
+            </a:outerShdw>
+          </a:effectLst>
+        </a:effectStyle>
+      </a:effectStyleLst>
+      <a:bgFillStyleLst>
+        <a:solidFill>
+          <a:schemeClr val="phClr"/>
+        </a:solidFill>
+        <a:solidFill>
+          <a:schemeClr val="phClr">
+            <a:tint val="95000"/>
+            <a:satMod val="170000"/>
+          </a:schemeClr>
+        </a:solidFill>
+        <a:gradFill rotWithShape="1">
+          <a:gsLst>
+            <a:gs pos="0">
+              <a:schemeClr val="phClr">
+                <a:tint val="93000"/>
+                <a:satMod val="150000"/>
+                <a:shade val="98000"/>
+                <a:lumMod val="102000"/>
+              </a:schemeClr>
+            </a:gs>
+            <a:gs pos="50000">
+              <a:schemeClr val="phClr">
+                <a:tint val="98000"/>
+                <a:satMod val="130000"/>
+                <a:shade val="90000"/>
+                <a:lumMod val="103000"/>
+              </a:schemeClr>
+            </a:gs>
+            <a:gs pos="100000">
+              <a:schemeClr val="phClr">
+                <a:shade val="63000"/>
+                <a:satMod val="120000"/>
+              </a:schemeClr>
+            </a:gs>
+          </a:gsLst>
+          <a:lin ang="5400000" scaled="0"/>
+        </a:gradFill>
+      </a:bgFillStyleLst>
+    </a:fmtScheme>
+  </a:themeElements>
+  <a:objectDefaults/>
+  <a:extraClrSchemeLst/>
+  <a:extLst>
+    <a:ext uri="{05A4C25C-085E-4340-85A3-A5531E510DB2}">
+      <thm15:themeFamily xmlns:thm15="http://schemas.microsoft.com/office/thememl/2012/main" name="Office Theme" id="{62F939B6-93AF-4DB8-9C6B-D6C7DFDC589F}" vid="{4A3C46E8-61CC-4603-A589-7422A47A8E4A}"/>
+    </a:ext>
+  </a:extLst>
+</a:theme>
 </file>